--- a/웹1팀_프로젝트_화면설계서.pptx
+++ b/웹1팀_프로젝트_화면설계서.pptx
@@ -28,10 +28,10 @@
     <p:sldId id="776" r:id="rId16"/>
     <p:sldId id="772" r:id="rId17"/>
     <p:sldId id="792" r:id="rId18"/>
-    <p:sldId id="774" r:id="rId19"/>
-    <p:sldId id="777" r:id="rId20"/>
-    <p:sldId id="775" r:id="rId21"/>
-    <p:sldId id="793" r:id="rId22"/>
+    <p:sldId id="777" r:id="rId19"/>
+    <p:sldId id="775" r:id="rId20"/>
+    <p:sldId id="793" r:id="rId21"/>
+    <p:sldId id="794" r:id="rId22"/>
     <p:sldId id="785" r:id="rId23"/>
     <p:sldId id="783" r:id="rId24"/>
     <p:sldId id="784" r:id="rId25"/>
@@ -1575,6 +1575,99 @@
 <file path=ppt/notesSlides/notesSlide14.xml><?xml version="1.0" encoding="utf-8"?>
 <p:notes xmlns:a="http://schemas.openxmlformats.org/drawingml/2006/main" xmlns:r="http://schemas.openxmlformats.org/officeDocument/2006/relationships" xmlns:p="http://schemas.openxmlformats.org/presentationml/2006/main">
   <p:cSld>
+    <p:spTree>
+      <p:nvGrpSpPr>
+        <p:cNvPr id="1" name=""/>
+        <p:cNvGrpSpPr/>
+        <p:nvPr/>
+      </p:nvGrpSpPr>
+      <p:grpSpPr>
+        <a:xfrm>
+          <a:off x="0" y="0"/>
+          <a:ext cx="0" cy="0"/>
+          <a:chOff x="0" y="0"/>
+          <a:chExt cx="0" cy="0"/>
+        </a:xfrm>
+      </p:grpSpPr>
+      <p:sp>
+        <p:nvSpPr>
+          <p:cNvPr id="38914" name="Rectangle 7"/>
+          <p:cNvSpPr>
+            <a:spLocks noGrp="1" noChangeArrowheads="1"/>
+          </p:cNvSpPr>
+          <p:nvPr>
+            <p:ph type="sldNum" sz="quarter" idx="5"/>
+          </p:nvPr>
+        </p:nvSpPr>
+        <p:spPr>
+          <a:noFill/>
+        </p:spPr>
+        <p:txBody>
+          <a:bodyPr/>
+          <a:lstStyle/>
+          <a:p>
+            <a:fld id="{6B9E537C-08BD-4381-A7AD-1F4C7C2ADA7F}" type="slidenum">
+              <a:rPr lang="en-US" altLang="ko-KR" smtClean="0"/>
+              <a:pPr/>
+              <a:t>18</a:t>
+            </a:fld>
+            <a:endParaRPr lang="en-US" altLang="ko-KR" smtClean="0"/>
+          </a:p>
+        </p:txBody>
+      </p:sp>
+      <p:sp>
+        <p:nvSpPr>
+          <p:cNvPr id="38915" name="Rectangle 2"/>
+          <p:cNvSpPr>
+            <a:spLocks noGrp="1" noRot="1" noChangeAspect="1" noChangeArrowheads="1" noTextEdit="1"/>
+          </p:cNvSpPr>
+          <p:nvPr>
+            <p:ph type="sldImg"/>
+          </p:nvPr>
+        </p:nvSpPr>
+        <p:spPr>
+          <a:ln/>
+        </p:spPr>
+      </p:sp>
+      <p:sp>
+        <p:nvSpPr>
+          <p:cNvPr id="38916" name="Rectangle 3"/>
+          <p:cNvSpPr>
+            <a:spLocks noGrp="1" noChangeArrowheads="1"/>
+          </p:cNvSpPr>
+          <p:nvPr>
+            <p:ph type="body" idx="1"/>
+          </p:nvPr>
+        </p:nvSpPr>
+        <p:spPr>
+          <a:noFill/>
+          <a:ln/>
+        </p:spPr>
+        <p:txBody>
+          <a:bodyPr/>
+          <a:lstStyle/>
+          <a:p>
+            <a:pPr eaLnBrk="1" hangingPunct="1"/>
+            <a:endParaRPr lang="ko-KR" altLang="ko-KR" smtClean="0"/>
+          </a:p>
+        </p:txBody>
+      </p:sp>
+    </p:spTree>
+    <p:extLst>
+      <p:ext uri="{BB962C8B-B14F-4D97-AF65-F5344CB8AC3E}">
+        <p14:creationId xmlns:p14="http://schemas.microsoft.com/office/powerpoint/2010/main" val="1105239623"/>
+      </p:ext>
+    </p:extLst>
+  </p:cSld>
+  <p:clrMapOvr>
+    <a:masterClrMapping/>
+  </p:clrMapOvr>
+</p:notes>
+</file>
+
+<file path=ppt/notesSlides/notesSlide15.xml><?xml version="1.0" encoding="utf-8"?>
+<p:notes xmlns:a="http://schemas.openxmlformats.org/drawingml/2006/main" xmlns:r="http://schemas.openxmlformats.org/officeDocument/2006/relationships" xmlns:p="http://schemas.openxmlformats.org/presentationml/2006/main">
+  <p:cSld>
     <p:bg>
       <p:bgPr>
         <a:solidFill>
@@ -1693,7 +1786,7 @@
                 </a:tabLst>
                 <a:defRPr/>
               </a:pPr>
-              <a:t>18</a:t>
+              <a:t>19</a:t>
             </a:fld>
             <a:endParaRPr kumimoji="0" lang="en-US" altLang="ko-KR" sz="1000" b="0" i="1" u="none" strike="noStrike" kern="1200" cap="none" spc="0" normalizeH="0" baseline="0" noProof="0">
               <a:ln>
@@ -1774,100 +1867,7 @@
     </p:spTree>
     <p:extLst>
       <p:ext uri="{BB962C8B-B14F-4D97-AF65-F5344CB8AC3E}">
-        <p14:creationId xmlns:p14="http://schemas.microsoft.com/office/powerpoint/2010/main" val="3498753352"/>
-      </p:ext>
-    </p:extLst>
-  </p:cSld>
-  <p:clrMapOvr>
-    <a:masterClrMapping/>
-  </p:clrMapOvr>
-</p:notes>
-</file>
-
-<file path=ppt/notesSlides/notesSlide15.xml><?xml version="1.0" encoding="utf-8"?>
-<p:notes xmlns:a="http://schemas.openxmlformats.org/drawingml/2006/main" xmlns:r="http://schemas.openxmlformats.org/officeDocument/2006/relationships" xmlns:p="http://schemas.openxmlformats.org/presentationml/2006/main">
-  <p:cSld>
-    <p:spTree>
-      <p:nvGrpSpPr>
-        <p:cNvPr id="1" name=""/>
-        <p:cNvGrpSpPr/>
-        <p:nvPr/>
-      </p:nvGrpSpPr>
-      <p:grpSpPr>
-        <a:xfrm>
-          <a:off x="0" y="0"/>
-          <a:ext cx="0" cy="0"/>
-          <a:chOff x="0" y="0"/>
-          <a:chExt cx="0" cy="0"/>
-        </a:xfrm>
-      </p:grpSpPr>
-      <p:sp>
-        <p:nvSpPr>
-          <p:cNvPr id="38914" name="Rectangle 7"/>
-          <p:cNvSpPr>
-            <a:spLocks noGrp="1" noChangeArrowheads="1"/>
-          </p:cNvSpPr>
-          <p:nvPr>
-            <p:ph type="sldNum" sz="quarter" idx="5"/>
-          </p:nvPr>
-        </p:nvSpPr>
-        <p:spPr>
-          <a:noFill/>
-        </p:spPr>
-        <p:txBody>
-          <a:bodyPr/>
-          <a:lstStyle/>
-          <a:p>
-            <a:fld id="{6B9E537C-08BD-4381-A7AD-1F4C7C2ADA7F}" type="slidenum">
-              <a:rPr lang="en-US" altLang="ko-KR" smtClean="0"/>
-              <a:pPr/>
-              <a:t>19</a:t>
-            </a:fld>
-            <a:endParaRPr lang="en-US" altLang="ko-KR" smtClean="0"/>
-          </a:p>
-        </p:txBody>
-      </p:sp>
-      <p:sp>
-        <p:nvSpPr>
-          <p:cNvPr id="38915" name="Rectangle 2"/>
-          <p:cNvSpPr>
-            <a:spLocks noGrp="1" noRot="1" noChangeAspect="1" noChangeArrowheads="1" noTextEdit="1"/>
-          </p:cNvSpPr>
-          <p:nvPr>
-            <p:ph type="sldImg"/>
-          </p:nvPr>
-        </p:nvSpPr>
-        <p:spPr>
-          <a:ln/>
-        </p:spPr>
-      </p:sp>
-      <p:sp>
-        <p:nvSpPr>
-          <p:cNvPr id="38916" name="Rectangle 3"/>
-          <p:cNvSpPr>
-            <a:spLocks noGrp="1" noChangeArrowheads="1"/>
-          </p:cNvSpPr>
-          <p:nvPr>
-            <p:ph type="body" idx="1"/>
-          </p:nvPr>
-        </p:nvSpPr>
-        <p:spPr>
-          <a:noFill/>
-          <a:ln/>
-        </p:spPr>
-        <p:txBody>
-          <a:bodyPr/>
-          <a:lstStyle/>
-          <a:p>
-            <a:pPr eaLnBrk="1" hangingPunct="1"/>
-            <a:endParaRPr lang="ko-KR" altLang="ko-KR" smtClean="0"/>
-          </a:p>
-        </p:txBody>
-      </p:sp>
-    </p:spTree>
-    <p:extLst>
-      <p:ext uri="{BB962C8B-B14F-4D97-AF65-F5344CB8AC3E}">
-        <p14:creationId xmlns:p14="http://schemas.microsoft.com/office/powerpoint/2010/main" val="1105239623"/>
+        <p14:creationId xmlns:p14="http://schemas.microsoft.com/office/powerpoint/2010/main" val="1586363901"/>
       </p:ext>
     </p:extLst>
   </p:cSld>
@@ -2724,8 +2724,8 @@
         </p:nvSpPr>
         <p:spPr bwMode="auto">
           <a:xfrm>
-            <a:off x="944563" y="760413"/>
-            <a:ext cx="4908550" cy="3683000"/>
+            <a:off x="739775" y="760413"/>
+            <a:ext cx="5318125" cy="3683000"/>
           </a:xfrm>
           <a:solidFill>
             <a:srgbClr val="FFFFFF"/>
@@ -18542,6 +18542,86 @@
           </a:p>
         </p:txBody>
       </p:sp>
+      <p:sp>
+        <p:nvSpPr>
+          <p:cNvPr id="22" name="타원 21"/>
+          <p:cNvSpPr/>
+          <p:nvPr/>
+        </p:nvSpPr>
+        <p:spPr bwMode="auto">
+          <a:xfrm>
+            <a:off x="108989" y="3678111"/>
+            <a:ext cx="216000" cy="144000"/>
+          </a:xfrm>
+          <a:prstGeom prst="ellipse">
+            <a:avLst/>
+          </a:prstGeom>
+          <a:solidFill>
+            <a:srgbClr val="FF0000"/>
+          </a:solidFill>
+          <a:ln w="3175" cap="flat" cmpd="sng" algn="ctr">
+            <a:solidFill>
+              <a:srgbClr val="FF0000"/>
+            </a:solidFill>
+            <a:prstDash val="solid"/>
+            <a:round/>
+            <a:headEnd type="none" w="med" len="med"/>
+            <a:tailEnd type="none" w="med" len="med"/>
+          </a:ln>
+          <a:effectLst/>
+        </p:spPr>
+        <p:txBody>
+          <a:bodyPr vert="horz" wrap="none" lIns="91440" tIns="45720" rIns="91440" bIns="45720" numCol="1" rtlCol="0" anchor="ctr" anchorCtr="0" compatLnSpc="1">
+            <a:prstTxWarp prst="textNoShape">
+              <a:avLst/>
+            </a:prstTxWarp>
+          </a:bodyPr>
+          <a:lstStyle/>
+          <a:p>
+            <a:pPr marL="0" marR="0" indent="0" algn="ctr" defTabSz="914400" rtl="0" eaLnBrk="1" fontAlgn="base" latinLnBrk="1" hangingPunct="1">
+              <a:lnSpc>
+                <a:spcPct val="100000"/>
+              </a:lnSpc>
+              <a:spcBef>
+                <a:spcPct val="0"/>
+              </a:spcBef>
+              <a:spcAft>
+                <a:spcPct val="0"/>
+              </a:spcAft>
+              <a:buClrTx/>
+              <a:buSzTx/>
+              <a:buFontTx/>
+              <a:buNone/>
+              <a:tabLst/>
+            </a:pPr>
+            <a:r>
+              <a:rPr kumimoji="1" lang="en-US" altLang="ko-KR" sz="900" b="1" i="0" u="none" strike="noStrike" cap="none" normalizeH="0" baseline="0" dirty="0" smtClean="0">
+                <a:ln>
+                  <a:noFill/>
+                </a:ln>
+                <a:solidFill>
+                  <a:schemeClr val="bg1"/>
+                </a:solidFill>
+                <a:effectLst/>
+                <a:latin typeface="맑은 고딕" pitchFamily="50" charset="-127"/>
+                <a:ea typeface="맑은 고딕" pitchFamily="50" charset="-127"/>
+              </a:rPr>
+              <a:t>1-2</a:t>
+            </a:r>
+            <a:endParaRPr kumimoji="1" lang="ko-KR" altLang="en-US" sz="900" b="1" i="0" u="none" strike="noStrike" cap="none" normalizeH="0" baseline="0" dirty="0" smtClean="0">
+              <a:ln>
+                <a:noFill/>
+              </a:ln>
+              <a:solidFill>
+                <a:schemeClr val="bg1"/>
+              </a:solidFill>
+              <a:effectLst/>
+              <a:latin typeface="맑은 고딕" pitchFamily="50" charset="-127"/>
+              <a:ea typeface="맑은 고딕" pitchFamily="50" charset="-127"/>
+            </a:endParaRPr>
+          </a:p>
+        </p:txBody>
+      </p:sp>
     </p:spTree>
     <p:extLst>
       <p:ext uri="{BB962C8B-B14F-4D97-AF65-F5344CB8AC3E}">
@@ -20049,11 +20129,11 @@
             </a:r>
             <a:r>
               <a:rPr lang="en-US" altLang="ko-KR" dirty="0" smtClean="0"/>
-              <a:t>- </a:t>
+              <a:t>– </a:t>
             </a:r>
             <a:r>
-              <a:rPr lang="ko-KR" altLang="en-US" dirty="0" err="1" smtClean="0"/>
-              <a:t>글작성</a:t>
+              <a:rPr lang="ko-KR" altLang="en-US" dirty="0" smtClean="0"/>
+              <a:t>글 작성</a:t>
             </a:r>
             <a:endParaRPr lang="ko-KR" altLang="en-US" dirty="0"/>
           </a:p>
@@ -20999,1257 +21079,6 @@
       </p:grpSpPr>
       <p:sp>
         <p:nvSpPr>
-          <p:cNvPr id="7" name="내용 개체 틀 6"/>
-          <p:cNvSpPr>
-            <a:spLocks noGrp="1"/>
-          </p:cNvSpPr>
-          <p:nvPr>
-            <p:ph sz="half" idx="1"/>
-          </p:nvPr>
-        </p:nvSpPr>
-        <p:spPr/>
-        <p:txBody>
-          <a:bodyPr/>
-          <a:lstStyle/>
-          <a:p>
-            <a:endParaRPr lang="ko-KR" altLang="en-US" dirty="0"/>
-          </a:p>
-        </p:txBody>
-      </p:sp>
-      <p:sp>
-        <p:nvSpPr>
-          <p:cNvPr id="21" name="제목 20"/>
-          <p:cNvSpPr>
-            <a:spLocks noGrp="1"/>
-          </p:cNvSpPr>
-          <p:nvPr>
-            <p:ph type="title"/>
-          </p:nvPr>
-        </p:nvSpPr>
-        <p:spPr>
-          <a:xfrm>
-            <a:off x="495380" y="164624"/>
-            <a:ext cx="8916829" cy="960120"/>
-          </a:xfrm>
-        </p:spPr>
-        <p:txBody>
-          <a:bodyPr/>
-          <a:lstStyle/>
-          <a:p>
-            <a:r>
-              <a:rPr lang="ko-KR" altLang="en-US" dirty="0"/>
-              <a:t>상담 게시판 </a:t>
-            </a:r>
-            <a:r>
-              <a:rPr lang="en-US" altLang="ko-KR" dirty="0"/>
-              <a:t>– </a:t>
-            </a:r>
-            <a:r>
-              <a:rPr lang="ko-KR" altLang="en-US" dirty="0"/>
-              <a:t>글 작성</a:t>
-            </a:r>
-          </a:p>
-        </p:txBody>
-      </p:sp>
-      <p:graphicFrame>
-        <p:nvGraphicFramePr>
-          <p:cNvPr id="32" name="표 31"/>
-          <p:cNvGraphicFramePr>
-            <a:graphicFrameLocks noGrp="1"/>
-          </p:cNvGraphicFramePr>
-          <p:nvPr>
-            <p:extLst/>
-          </p:nvPr>
-        </p:nvGraphicFramePr>
-        <p:xfrm>
-          <a:off x="6712496" y="1160598"/>
-          <a:ext cx="3210452" cy="5246748"/>
-        </p:xfrm>
-        <a:graphic>
-          <a:graphicData uri="http://schemas.openxmlformats.org/drawingml/2006/table">
-            <a:tbl>
-              <a:tblPr firstRow="1" bandRow="1">
-                <a:tableStyleId>{5C22544A-7EE6-4342-B048-85BDC9FD1C3A}</a:tableStyleId>
-              </a:tblPr>
-              <a:tblGrid>
-                <a:gridCol w="3210452">
-                  <a:extLst>
-                    <a:ext uri="{9D8B030D-6E8A-4147-A177-3AD203B41FA5}">
-                      <a16:colId xmlns:a16="http://schemas.microsoft.com/office/drawing/2014/main" xmlns="" val="20000"/>
-                    </a:ext>
-                  </a:extLst>
-                </a:gridCol>
-              </a:tblGrid>
-              <a:tr h="1134936">
-                <a:tc>
-                  <a:txBody>
-                    <a:bodyPr/>
-                    <a:lstStyle/>
-                    <a:p>
-                      <a:pPr latinLnBrk="1"/>
-                      <a:r>
-                        <a:rPr lang="en-US" altLang="ko-KR" sz="1400" dirty="0">
-                          <a:solidFill>
-                            <a:srgbClr val="FF0000"/>
-                          </a:solidFill>
-                        </a:rPr>
-                        <a:t>0</a:t>
-                      </a:r>
-                      <a:r>
-                        <a:rPr lang="ko-KR" altLang="en-US" sz="1400" dirty="0">
-                          <a:solidFill>
-                            <a:srgbClr val="FF0000"/>
-                          </a:solidFill>
-                        </a:rPr>
-                        <a:t>번</a:t>
-                      </a:r>
-                      <a:endParaRPr lang="en-US" altLang="ko-KR" sz="1400" dirty="0">
-                        <a:solidFill>
-                          <a:srgbClr val="FF0000"/>
-                        </a:solidFill>
-                      </a:endParaRPr>
-                    </a:p>
-                    <a:p>
-                      <a:pPr latinLnBrk="1"/>
-                      <a:r>
-                        <a:rPr lang="ko-KR" altLang="en-US" sz="1000" b="0" dirty="0">
-                          <a:solidFill>
-                            <a:srgbClr val="FF0000"/>
-                          </a:solidFill>
-                        </a:rPr>
-                        <a:t>같은 레이아웃의 파일을 작성과 수정으로 각각 나누어 만든다</a:t>
-                      </a:r>
-                      <a:r>
-                        <a:rPr lang="en-US" altLang="ko-KR" sz="1000" b="0" dirty="0">
-                          <a:solidFill>
-                            <a:srgbClr val="FF0000"/>
-                          </a:solidFill>
-                        </a:rPr>
-                        <a:t>.</a:t>
-                      </a:r>
-                    </a:p>
-                    <a:p>
-                      <a:pPr latinLnBrk="1"/>
-                      <a:r>
-                        <a:rPr lang="en-US" altLang="ko-KR" sz="1000" b="0" dirty="0">
-                          <a:solidFill>
-                            <a:srgbClr val="FF0000"/>
-                          </a:solidFill>
-                        </a:rPr>
-                        <a:t>- </a:t>
-                      </a:r>
-                      <a:r>
-                        <a:rPr lang="ko-KR" altLang="en-US" sz="1000" b="0" dirty="0">
-                          <a:solidFill>
-                            <a:srgbClr val="FF0000"/>
-                          </a:solidFill>
-                        </a:rPr>
-                        <a:t>게시글과 답글은 이전 페이지의 </a:t>
-                      </a:r>
-                      <a:r>
-                        <a:rPr lang="en-US" altLang="ko-KR" sz="1000" b="0" dirty="0" err="1">
-                          <a:solidFill>
-                            <a:srgbClr val="FF0000"/>
-                          </a:solidFill>
-                        </a:rPr>
-                        <a:t>url</a:t>
-                      </a:r>
-                      <a:r>
-                        <a:rPr lang="ko-KR" altLang="en-US" sz="1000" b="0" dirty="0">
-                          <a:solidFill>
-                            <a:srgbClr val="FF0000"/>
-                          </a:solidFill>
-                        </a:rPr>
-                        <a:t>을 기초로 </a:t>
-                      </a:r>
-                      <a:r>
-                        <a:rPr lang="ko-KR" altLang="en-US" sz="1000" b="0" dirty="0" err="1">
-                          <a:solidFill>
-                            <a:srgbClr val="FF0000"/>
-                          </a:solidFill>
-                        </a:rPr>
-                        <a:t>분기시킨다</a:t>
-                      </a:r>
-                      <a:r>
-                        <a:rPr lang="en-US" altLang="ko-KR" sz="1000" b="0" dirty="0">
-                          <a:solidFill>
-                            <a:srgbClr val="FF0000"/>
-                          </a:solidFill>
-                        </a:rPr>
-                        <a:t>.</a:t>
-                      </a:r>
-                    </a:p>
-                  </a:txBody>
-                  <a:tcPr/>
-                </a:tc>
-                <a:extLst>
-                  <a:ext uri="{0D108BD9-81ED-4DB2-BD59-A6C34878D82A}">
-                    <a16:rowId xmlns:a16="http://schemas.microsoft.com/office/drawing/2014/main" xmlns="" val="10000"/>
-                  </a:ext>
-                </a:extLst>
-              </a:tr>
-              <a:tr h="3403187">
-                <a:tc>
-                  <a:txBody>
-                    <a:bodyPr/>
-                    <a:lstStyle/>
-                    <a:p>
-                      <a:pPr marL="0" algn="l" defTabSz="914400" rtl="0" eaLnBrk="1" latinLnBrk="1" hangingPunct="1"/>
-                      <a:r>
-                        <a:rPr lang="en-US" altLang="ko-KR" sz="1400" b="1" kern="1200" dirty="0">
-                          <a:solidFill>
-                            <a:srgbClr val="FF0000"/>
-                          </a:solidFill>
-                          <a:latin typeface="+mn-lt"/>
-                          <a:ea typeface="+mn-ea"/>
-                          <a:cs typeface="+mn-cs"/>
-                        </a:rPr>
-                        <a:t>1</a:t>
-                      </a:r>
-                      <a:r>
-                        <a:rPr lang="ko-KR" altLang="en-US" sz="1400" b="1" kern="1200" dirty="0">
-                          <a:solidFill>
-                            <a:srgbClr val="FF0000"/>
-                          </a:solidFill>
-                          <a:latin typeface="+mn-lt"/>
-                          <a:ea typeface="+mn-ea"/>
-                          <a:cs typeface="+mn-cs"/>
-                        </a:rPr>
-                        <a:t>번</a:t>
-                      </a:r>
-                      <a:endParaRPr lang="en-US" altLang="ko-KR" sz="1400" b="1" kern="1200" dirty="0">
-                        <a:solidFill>
-                          <a:srgbClr val="FF0000"/>
-                        </a:solidFill>
-                        <a:latin typeface="+mn-lt"/>
-                        <a:ea typeface="+mn-ea"/>
-                        <a:cs typeface="+mn-cs"/>
-                      </a:endParaRPr>
-                    </a:p>
-                    <a:p>
-                      <a:pPr marL="0" algn="l" defTabSz="914400" rtl="0" eaLnBrk="1" latinLnBrk="1" hangingPunct="1"/>
-                      <a:r>
-                        <a:rPr lang="ko-KR" altLang="en-US" sz="1000" b="0" kern="1200" dirty="0">
-                          <a:solidFill>
-                            <a:srgbClr val="FF0000"/>
-                          </a:solidFill>
-                          <a:latin typeface="+mn-lt"/>
-                          <a:ea typeface="+mn-ea"/>
-                          <a:cs typeface="+mn-cs"/>
-                        </a:rPr>
-                        <a:t>등록 버튼을 클릭할 시 다음과 같이 수행한다</a:t>
-                      </a:r>
-                      <a:r>
-                        <a:rPr lang="en-US" altLang="ko-KR" sz="1000" b="0" kern="1200" dirty="0">
-                          <a:solidFill>
-                            <a:srgbClr val="FF0000"/>
-                          </a:solidFill>
-                          <a:latin typeface="+mn-lt"/>
-                          <a:ea typeface="+mn-ea"/>
-                          <a:cs typeface="+mn-cs"/>
-                        </a:rPr>
-                        <a:t>.</a:t>
-                      </a:r>
-                    </a:p>
-                    <a:p>
-                      <a:pPr marL="171450" indent="-171450" algn="l" defTabSz="914400" rtl="0" eaLnBrk="1" latinLnBrk="1" hangingPunct="1">
-                        <a:buFontTx/>
-                        <a:buChar char="-"/>
-                      </a:pPr>
-                      <a:r>
-                        <a:rPr lang="en-US" altLang="ko-KR" sz="1000" b="0" kern="1200" dirty="0" err="1">
-                          <a:solidFill>
-                            <a:srgbClr val="FF0000"/>
-                          </a:solidFill>
-                          <a:latin typeface="+mn-lt"/>
-                          <a:ea typeface="+mn-ea"/>
-                          <a:cs typeface="+mn-cs"/>
-                        </a:rPr>
-                        <a:t>Wirte</a:t>
-                      </a:r>
-                      <a:r>
-                        <a:rPr lang="en-US" altLang="ko-KR" sz="1000" b="0" kern="1200" dirty="0">
-                          <a:solidFill>
-                            <a:srgbClr val="FF0000"/>
-                          </a:solidFill>
-                          <a:latin typeface="+mn-lt"/>
-                          <a:ea typeface="+mn-ea"/>
-                          <a:cs typeface="+mn-cs"/>
-                        </a:rPr>
-                        <a:t> </a:t>
-                      </a:r>
-                      <a:r>
-                        <a:rPr lang="ko-KR" altLang="en-US" sz="1000" b="0" kern="1200" dirty="0">
-                          <a:solidFill>
-                            <a:srgbClr val="FF0000"/>
-                          </a:solidFill>
-                          <a:latin typeface="+mn-lt"/>
-                          <a:ea typeface="+mn-ea"/>
-                          <a:cs typeface="+mn-cs"/>
-                        </a:rPr>
-                        <a:t>페이지에서 등록버튼을 클릭했을 때</a:t>
-                      </a:r>
-                      <a:endParaRPr lang="en-US" altLang="ko-KR" sz="1000" b="0" kern="1200" dirty="0">
-                        <a:solidFill>
-                          <a:srgbClr val="FF0000"/>
-                        </a:solidFill>
-                        <a:latin typeface="+mn-lt"/>
-                        <a:ea typeface="+mn-ea"/>
-                        <a:cs typeface="+mn-cs"/>
-                      </a:endParaRPr>
-                    </a:p>
-                    <a:p>
-                      <a:pPr marL="171450" indent="-171450" algn="l" defTabSz="914400" rtl="0" eaLnBrk="1" latinLnBrk="1" hangingPunct="1">
-                        <a:buFont typeface="Arial" panose="020B0604020202020204" pitchFamily="34" charset="0"/>
-                        <a:buChar char="•"/>
-                      </a:pPr>
-                      <a:r>
-                        <a:rPr lang="ko-KR" altLang="en-US" sz="1000" b="0" kern="1200" dirty="0">
-                          <a:solidFill>
-                            <a:srgbClr val="FF0000"/>
-                          </a:solidFill>
-                          <a:latin typeface="+mn-lt"/>
-                          <a:ea typeface="+mn-ea"/>
-                          <a:cs typeface="+mn-cs"/>
-                        </a:rPr>
-                        <a:t>목록화면에서 넘어온 경우에는 게시글이 </a:t>
-                      </a:r>
-                      <a:r>
-                        <a:rPr lang="en-US" altLang="ko-KR" sz="1000" b="0" kern="1200" dirty="0">
-                          <a:solidFill>
-                            <a:srgbClr val="FF0000"/>
-                          </a:solidFill>
-                          <a:latin typeface="+mn-lt"/>
-                          <a:ea typeface="+mn-ea"/>
-                          <a:cs typeface="+mn-cs"/>
-                        </a:rPr>
-                        <a:t>insert</a:t>
-                      </a:r>
-                      <a:r>
-                        <a:rPr lang="ko-KR" altLang="en-US" sz="1000" b="0" kern="1200" dirty="0">
-                          <a:solidFill>
-                            <a:srgbClr val="FF0000"/>
-                          </a:solidFill>
-                          <a:latin typeface="+mn-lt"/>
-                          <a:ea typeface="+mn-ea"/>
-                          <a:cs typeface="+mn-cs"/>
-                        </a:rPr>
-                        <a:t>되고 목록화면으로 이동한다</a:t>
-                      </a:r>
-                      <a:r>
-                        <a:rPr lang="en-US" altLang="ko-KR" sz="1000" b="0" kern="1200" dirty="0">
-                          <a:solidFill>
-                            <a:srgbClr val="FF0000"/>
-                          </a:solidFill>
-                          <a:latin typeface="+mn-lt"/>
-                          <a:ea typeface="+mn-ea"/>
-                          <a:cs typeface="+mn-cs"/>
-                        </a:rPr>
-                        <a:t>.</a:t>
-                      </a:r>
-                    </a:p>
-                    <a:p>
-                      <a:pPr marL="171450" indent="-171450" algn="l" defTabSz="914400" rtl="0" eaLnBrk="1" latinLnBrk="1" hangingPunct="1">
-                        <a:buFont typeface="Arial" panose="020B0604020202020204" pitchFamily="34" charset="0"/>
-                        <a:buChar char="•"/>
-                      </a:pPr>
-                      <a:r>
-                        <a:rPr lang="ko-KR" altLang="en-US" sz="1000" b="0" kern="1200" dirty="0">
-                          <a:solidFill>
-                            <a:srgbClr val="FF0000"/>
-                          </a:solidFill>
-                          <a:latin typeface="+mn-lt"/>
-                          <a:ea typeface="+mn-ea"/>
-                          <a:cs typeface="+mn-cs"/>
-                        </a:rPr>
-                        <a:t>게시글 화면에서 넘어온 경우에는 답글이 </a:t>
-                      </a:r>
-                      <a:r>
-                        <a:rPr lang="en-US" altLang="ko-KR" sz="1000" b="0" kern="1200" dirty="0">
-                          <a:solidFill>
-                            <a:srgbClr val="FF0000"/>
-                          </a:solidFill>
-                          <a:latin typeface="+mn-lt"/>
-                          <a:ea typeface="+mn-ea"/>
-                          <a:cs typeface="+mn-cs"/>
-                        </a:rPr>
-                        <a:t>insert</a:t>
-                      </a:r>
-                      <a:r>
-                        <a:rPr lang="ko-KR" altLang="en-US" sz="1000" b="0" kern="1200" dirty="0" err="1">
-                          <a:solidFill>
-                            <a:srgbClr val="FF0000"/>
-                          </a:solidFill>
-                          <a:latin typeface="+mn-lt"/>
-                          <a:ea typeface="+mn-ea"/>
-                          <a:cs typeface="+mn-cs"/>
-                        </a:rPr>
-                        <a:t>되고상담게시판</a:t>
-                      </a:r>
-                      <a:r>
-                        <a:rPr lang="ko-KR" altLang="en-US" sz="1000" b="0" kern="1200" dirty="0">
-                          <a:solidFill>
-                            <a:srgbClr val="FF0000"/>
-                          </a:solidFill>
-                          <a:latin typeface="+mn-lt"/>
-                          <a:ea typeface="+mn-ea"/>
-                          <a:cs typeface="+mn-cs"/>
-                        </a:rPr>
-                        <a:t> </a:t>
-                      </a:r>
-                      <a:r>
-                        <a:rPr lang="en-US" altLang="ko-KR" sz="1000" b="0" kern="1200" dirty="0">
-                          <a:solidFill>
-                            <a:srgbClr val="FF0000"/>
-                          </a:solidFill>
-                          <a:latin typeface="+mn-lt"/>
-                          <a:ea typeface="+mn-ea"/>
-                          <a:cs typeface="+mn-cs"/>
-                        </a:rPr>
-                        <a:t>- </a:t>
-                      </a:r>
-                      <a:r>
-                        <a:rPr lang="ko-KR" altLang="en-US" sz="1000" b="0" kern="1200" dirty="0">
-                          <a:solidFill>
-                            <a:srgbClr val="FF0000"/>
-                          </a:solidFill>
-                          <a:latin typeface="+mn-lt"/>
-                          <a:ea typeface="+mn-ea"/>
-                          <a:cs typeface="+mn-cs"/>
-                        </a:rPr>
-                        <a:t>게시글의 </a:t>
-                      </a:r>
-                      <a:r>
-                        <a:rPr lang="en-US" altLang="ko-KR" sz="1000" b="0" kern="1200" dirty="0">
-                          <a:solidFill>
-                            <a:srgbClr val="FF0000"/>
-                          </a:solidFill>
-                          <a:latin typeface="+mn-lt"/>
-                          <a:ea typeface="+mn-ea"/>
-                          <a:cs typeface="+mn-cs"/>
-                        </a:rPr>
-                        <a:t>6</a:t>
-                      </a:r>
-                      <a:r>
-                        <a:rPr lang="ko-KR" altLang="en-US" sz="1000" b="0" kern="1200" dirty="0">
-                          <a:solidFill>
-                            <a:srgbClr val="FF0000"/>
-                          </a:solidFill>
-                          <a:latin typeface="+mn-lt"/>
-                          <a:ea typeface="+mn-ea"/>
-                          <a:cs typeface="+mn-cs"/>
-                        </a:rPr>
-                        <a:t>번 항목이 로그인 한 관리자 계정 정보에 맞춰 </a:t>
-                      </a:r>
-                      <a:r>
-                        <a:rPr lang="en-US" altLang="ko-KR" sz="1000" b="0" kern="1200" dirty="0">
-                          <a:solidFill>
-                            <a:srgbClr val="FF0000"/>
-                          </a:solidFill>
-                          <a:latin typeface="+mn-lt"/>
-                          <a:ea typeface="+mn-ea"/>
-                          <a:cs typeface="+mn-cs"/>
-                        </a:rPr>
-                        <a:t>update</a:t>
-                      </a:r>
-                      <a:r>
-                        <a:rPr lang="ko-KR" altLang="en-US" sz="1000" b="0" kern="1200" dirty="0">
-                          <a:solidFill>
-                            <a:srgbClr val="FF0000"/>
-                          </a:solidFill>
-                          <a:latin typeface="+mn-lt"/>
-                          <a:ea typeface="+mn-ea"/>
-                          <a:cs typeface="+mn-cs"/>
-                        </a:rPr>
-                        <a:t>된다</a:t>
-                      </a:r>
-                      <a:r>
-                        <a:rPr lang="en-US" altLang="ko-KR" sz="1000" b="0" kern="1200" dirty="0">
-                          <a:solidFill>
-                            <a:srgbClr val="FF0000"/>
-                          </a:solidFill>
-                          <a:latin typeface="+mn-lt"/>
-                          <a:ea typeface="+mn-ea"/>
-                          <a:cs typeface="+mn-cs"/>
-                        </a:rPr>
-                        <a:t>.</a:t>
-                      </a:r>
-                    </a:p>
-                    <a:p>
-                      <a:pPr marL="0" indent="0" algn="l" defTabSz="914400" rtl="0" eaLnBrk="1" latinLnBrk="1" hangingPunct="1">
-                        <a:buFont typeface="Arial" panose="020B0604020202020204" pitchFamily="34" charset="0"/>
-                        <a:buNone/>
-                      </a:pPr>
-                      <a:endParaRPr lang="en-US" altLang="ko-KR" sz="1000" b="0" kern="1200" dirty="0">
-                        <a:solidFill>
-                          <a:srgbClr val="FF0000"/>
-                        </a:solidFill>
-                        <a:latin typeface="+mn-lt"/>
-                        <a:ea typeface="+mn-ea"/>
-                        <a:cs typeface="+mn-cs"/>
-                      </a:endParaRPr>
-                    </a:p>
-                    <a:p>
-                      <a:pPr marL="171450" indent="-171450" algn="l" defTabSz="914400" rtl="0" eaLnBrk="1" latinLnBrk="1" hangingPunct="1">
-                        <a:buFontTx/>
-                        <a:buChar char="-"/>
-                      </a:pPr>
-                      <a:r>
-                        <a:rPr lang="en-US" altLang="ko-KR" sz="1000" b="0" kern="1200" dirty="0">
-                          <a:solidFill>
-                            <a:srgbClr val="FF0000"/>
-                          </a:solidFill>
-                          <a:latin typeface="+mn-lt"/>
-                          <a:ea typeface="+mn-ea"/>
-                          <a:cs typeface="+mn-cs"/>
-                        </a:rPr>
-                        <a:t>Modify </a:t>
-                      </a:r>
-                      <a:r>
-                        <a:rPr lang="ko-KR" altLang="en-US" sz="1000" b="0" kern="1200" dirty="0">
-                          <a:solidFill>
-                            <a:srgbClr val="FF0000"/>
-                          </a:solidFill>
-                          <a:latin typeface="+mn-lt"/>
-                          <a:ea typeface="+mn-ea"/>
-                          <a:cs typeface="+mn-cs"/>
-                        </a:rPr>
-                        <a:t>페이지에서 등록버튼을 클릭했을 때</a:t>
-                      </a:r>
-                      <a:endParaRPr lang="en-US" altLang="ko-KR" sz="1000" b="0" kern="1200" dirty="0">
-                        <a:solidFill>
-                          <a:srgbClr val="FF0000"/>
-                        </a:solidFill>
-                        <a:latin typeface="+mn-lt"/>
-                        <a:ea typeface="+mn-ea"/>
-                        <a:cs typeface="+mn-cs"/>
-                      </a:endParaRPr>
-                    </a:p>
-                    <a:p>
-                      <a:pPr marL="171450" indent="-171450" algn="l" defTabSz="914400" rtl="0" eaLnBrk="1" latinLnBrk="1" hangingPunct="1">
-                        <a:buFont typeface="Arial" panose="020B0604020202020204" pitchFamily="34" charset="0"/>
-                        <a:buChar char="•"/>
-                      </a:pPr>
-                      <a:r>
-                        <a:rPr lang="ko-KR" altLang="en-US" sz="1000" b="0" kern="1200" dirty="0">
-                          <a:solidFill>
-                            <a:srgbClr val="FF0000"/>
-                          </a:solidFill>
-                          <a:latin typeface="+mn-lt"/>
-                          <a:ea typeface="+mn-ea"/>
-                          <a:cs typeface="+mn-cs"/>
-                        </a:rPr>
-                        <a:t>상담게시판 </a:t>
-                      </a:r>
-                      <a:r>
-                        <a:rPr lang="en-US" altLang="ko-KR" sz="1000" b="0" kern="1200" dirty="0">
-                          <a:solidFill>
-                            <a:srgbClr val="FF0000"/>
-                          </a:solidFill>
-                          <a:latin typeface="+mn-lt"/>
-                          <a:ea typeface="+mn-ea"/>
-                          <a:cs typeface="+mn-cs"/>
-                        </a:rPr>
-                        <a:t>– </a:t>
-                      </a:r>
-                      <a:r>
-                        <a:rPr lang="ko-KR" altLang="en-US" sz="1000" b="0" kern="1200" dirty="0">
-                          <a:solidFill>
-                            <a:srgbClr val="FF0000"/>
-                          </a:solidFill>
-                          <a:latin typeface="+mn-lt"/>
-                          <a:ea typeface="+mn-ea"/>
-                          <a:cs typeface="+mn-cs"/>
-                        </a:rPr>
-                        <a:t>게시글의 위쪽 </a:t>
-                      </a:r>
-                      <a:r>
-                        <a:rPr lang="en-US" altLang="ko-KR" sz="1000" b="0" kern="1200" dirty="0">
-                          <a:solidFill>
-                            <a:srgbClr val="FF0000"/>
-                          </a:solidFill>
-                          <a:latin typeface="+mn-lt"/>
-                          <a:ea typeface="+mn-ea"/>
-                          <a:cs typeface="+mn-cs"/>
-                        </a:rPr>
-                        <a:t>1</a:t>
-                      </a:r>
-                      <a:r>
-                        <a:rPr lang="ko-KR" altLang="en-US" sz="1000" b="0" kern="1200" dirty="0">
-                          <a:solidFill>
-                            <a:srgbClr val="FF0000"/>
-                          </a:solidFill>
-                          <a:latin typeface="+mn-lt"/>
-                          <a:ea typeface="+mn-ea"/>
-                          <a:cs typeface="+mn-cs"/>
-                        </a:rPr>
-                        <a:t>번으로 들어온 경우 게시글이 </a:t>
-                      </a:r>
-                      <a:r>
-                        <a:rPr lang="en-US" altLang="ko-KR" sz="1000" b="0" kern="1200" dirty="0">
-                          <a:solidFill>
-                            <a:srgbClr val="FF0000"/>
-                          </a:solidFill>
-                          <a:latin typeface="+mn-lt"/>
-                          <a:ea typeface="+mn-ea"/>
-                          <a:cs typeface="+mn-cs"/>
-                        </a:rPr>
-                        <a:t>update</a:t>
-                      </a:r>
-                      <a:r>
-                        <a:rPr lang="ko-KR" altLang="en-US" sz="1000" b="0" kern="1200" dirty="0">
-                          <a:solidFill>
-                            <a:srgbClr val="FF0000"/>
-                          </a:solidFill>
-                          <a:latin typeface="+mn-lt"/>
-                          <a:ea typeface="+mn-ea"/>
-                          <a:cs typeface="+mn-cs"/>
-                        </a:rPr>
-                        <a:t>된다</a:t>
-                      </a:r>
-                      <a:r>
-                        <a:rPr lang="en-US" altLang="ko-KR" sz="1000" b="0" kern="1200" dirty="0">
-                          <a:solidFill>
-                            <a:srgbClr val="FF0000"/>
-                          </a:solidFill>
-                          <a:latin typeface="+mn-lt"/>
-                          <a:ea typeface="+mn-ea"/>
-                          <a:cs typeface="+mn-cs"/>
-                        </a:rPr>
-                        <a:t>.</a:t>
-                      </a:r>
-                    </a:p>
-                    <a:p>
-                      <a:pPr marL="171450" indent="-171450" algn="l" defTabSz="914400" rtl="0" eaLnBrk="1" latinLnBrk="1" hangingPunct="1">
-                        <a:buFont typeface="Arial" panose="020B0604020202020204" pitchFamily="34" charset="0"/>
-                        <a:buChar char="•"/>
-                      </a:pPr>
-                      <a:r>
-                        <a:rPr lang="ko-KR" altLang="en-US" sz="1000" b="0" kern="1200" dirty="0">
-                          <a:solidFill>
-                            <a:srgbClr val="FF0000"/>
-                          </a:solidFill>
-                          <a:latin typeface="+mn-lt"/>
-                          <a:ea typeface="+mn-ea"/>
-                          <a:cs typeface="+mn-cs"/>
-                        </a:rPr>
-                        <a:t>상담게시판 </a:t>
-                      </a:r>
-                      <a:r>
-                        <a:rPr lang="en-US" altLang="ko-KR" sz="1000" b="0" kern="1200" dirty="0">
-                          <a:solidFill>
-                            <a:srgbClr val="FF0000"/>
-                          </a:solidFill>
-                          <a:latin typeface="+mn-lt"/>
-                          <a:ea typeface="+mn-ea"/>
-                          <a:cs typeface="+mn-cs"/>
-                        </a:rPr>
-                        <a:t>– </a:t>
-                      </a:r>
-                      <a:r>
-                        <a:rPr lang="ko-KR" altLang="en-US" sz="1000" b="0" kern="1200" dirty="0">
-                          <a:solidFill>
-                            <a:srgbClr val="FF0000"/>
-                          </a:solidFill>
-                          <a:latin typeface="+mn-lt"/>
-                          <a:ea typeface="+mn-ea"/>
-                          <a:cs typeface="+mn-cs"/>
-                        </a:rPr>
-                        <a:t>게시글의 아래쪽 </a:t>
-                      </a:r>
-                      <a:r>
-                        <a:rPr lang="en-US" altLang="ko-KR" sz="1000" b="0" kern="1200" dirty="0">
-                          <a:solidFill>
-                            <a:srgbClr val="FF0000"/>
-                          </a:solidFill>
-                          <a:latin typeface="+mn-lt"/>
-                          <a:ea typeface="+mn-ea"/>
-                          <a:cs typeface="+mn-cs"/>
-                        </a:rPr>
-                        <a:t>1</a:t>
-                      </a:r>
-                      <a:r>
-                        <a:rPr lang="ko-KR" altLang="en-US" sz="1000" b="0" kern="1200" dirty="0">
-                          <a:solidFill>
-                            <a:srgbClr val="FF0000"/>
-                          </a:solidFill>
-                          <a:latin typeface="+mn-lt"/>
-                          <a:ea typeface="+mn-ea"/>
-                          <a:cs typeface="+mn-cs"/>
-                        </a:rPr>
-                        <a:t>번으로 들어온 경우 답글이 </a:t>
-                      </a:r>
-                      <a:r>
-                        <a:rPr lang="en-US" altLang="ko-KR" sz="1000" b="0" kern="1200" dirty="0" err="1">
-                          <a:solidFill>
-                            <a:srgbClr val="FF0000"/>
-                          </a:solidFill>
-                          <a:latin typeface="+mn-lt"/>
-                          <a:ea typeface="+mn-ea"/>
-                          <a:cs typeface="+mn-cs"/>
-                        </a:rPr>
-                        <a:t>updat</a:t>
-                      </a:r>
-                      <a:r>
-                        <a:rPr lang="ko-KR" altLang="en-US" sz="1000" b="0" kern="1200" dirty="0">
-                          <a:solidFill>
-                            <a:srgbClr val="FF0000"/>
-                          </a:solidFill>
-                          <a:latin typeface="+mn-lt"/>
-                          <a:ea typeface="+mn-ea"/>
-                          <a:cs typeface="+mn-cs"/>
-                        </a:rPr>
-                        <a:t>된다</a:t>
-                      </a:r>
-                      <a:r>
-                        <a:rPr lang="en-US" altLang="ko-KR" sz="1000" b="0" kern="1200" dirty="0">
-                          <a:solidFill>
-                            <a:srgbClr val="FF0000"/>
-                          </a:solidFill>
-                          <a:latin typeface="+mn-lt"/>
-                          <a:ea typeface="+mn-ea"/>
-                          <a:cs typeface="+mn-cs"/>
-                        </a:rPr>
-                        <a:t>.</a:t>
-                      </a:r>
-                    </a:p>
-                  </a:txBody>
-                  <a:tcPr/>
-                </a:tc>
-                <a:extLst>
-                  <a:ext uri="{0D108BD9-81ED-4DB2-BD59-A6C34878D82A}">
-                    <a16:rowId xmlns:a16="http://schemas.microsoft.com/office/drawing/2014/main" xmlns="" val="10001"/>
-                  </a:ext>
-                </a:extLst>
-              </a:tr>
-              <a:tr h="708625">
-                <a:tc>
-                  <a:txBody>
-                    <a:bodyPr/>
-                    <a:lstStyle/>
-                    <a:p>
-                      <a:pPr marL="0" marR="0" indent="0" algn="l" defTabSz="914400" rtl="0" eaLnBrk="1" fontAlgn="auto" latinLnBrk="1" hangingPunct="1">
-                        <a:lnSpc>
-                          <a:spcPct val="100000"/>
-                        </a:lnSpc>
-                        <a:spcBef>
-                          <a:spcPts val="0"/>
-                        </a:spcBef>
-                        <a:spcAft>
-                          <a:spcPts val="0"/>
-                        </a:spcAft>
-                        <a:buClrTx/>
-                        <a:buSzTx/>
-                        <a:buFontTx/>
-                        <a:buNone/>
-                        <a:tabLst/>
-                        <a:defRPr/>
-                      </a:pPr>
-                      <a:r>
-                        <a:rPr lang="en-US" altLang="ko-KR" sz="1400" b="1" kern="1200" dirty="0">
-                          <a:solidFill>
-                            <a:srgbClr val="FF0000"/>
-                          </a:solidFill>
-                          <a:latin typeface="+mn-lt"/>
-                          <a:ea typeface="+mn-ea"/>
-                          <a:cs typeface="+mn-cs"/>
-                        </a:rPr>
-                        <a:t>2</a:t>
-                      </a:r>
-                      <a:r>
-                        <a:rPr lang="ko-KR" altLang="en-US" sz="1400" b="1" kern="1200" dirty="0">
-                          <a:solidFill>
-                            <a:srgbClr val="FF0000"/>
-                          </a:solidFill>
-                          <a:latin typeface="+mn-lt"/>
-                          <a:ea typeface="+mn-ea"/>
-                          <a:cs typeface="+mn-cs"/>
-                        </a:rPr>
-                        <a:t>번</a:t>
-                      </a:r>
-                      <a:endParaRPr lang="en-US" altLang="ko-KR" sz="1400" b="1" kern="1200" dirty="0">
-                        <a:solidFill>
-                          <a:srgbClr val="FF0000"/>
-                        </a:solidFill>
-                        <a:latin typeface="+mn-lt"/>
-                        <a:ea typeface="+mn-ea"/>
-                        <a:cs typeface="+mn-cs"/>
-                      </a:endParaRPr>
-                    </a:p>
-                    <a:p>
-                      <a:pPr marL="0" algn="l" defTabSz="914400" rtl="0" eaLnBrk="1" latinLnBrk="1" hangingPunct="1"/>
-                      <a:r>
-                        <a:rPr lang="ko-KR" altLang="en-US" sz="1000" b="1" kern="1200" dirty="0">
-                          <a:solidFill>
-                            <a:srgbClr val="FF0000"/>
-                          </a:solidFill>
-                          <a:latin typeface="+mn-lt"/>
-                          <a:ea typeface="+mn-ea"/>
-                          <a:cs typeface="+mn-cs"/>
-                        </a:rPr>
-                        <a:t>이전 페이지로 돌아간다</a:t>
-                      </a:r>
-                      <a:r>
-                        <a:rPr lang="en-US" altLang="ko-KR" sz="1000" b="1" kern="1200" dirty="0">
-                          <a:solidFill>
-                            <a:srgbClr val="FF0000"/>
-                          </a:solidFill>
-                          <a:latin typeface="+mn-lt"/>
-                          <a:ea typeface="+mn-ea"/>
-                          <a:cs typeface="+mn-cs"/>
-                        </a:rPr>
-                        <a:t>.</a:t>
-                      </a:r>
-                      <a:endParaRPr lang="ko-KR" altLang="en-US" sz="1000" b="1" kern="1200" dirty="0">
-                        <a:solidFill>
-                          <a:srgbClr val="FF0000"/>
-                        </a:solidFill>
-                        <a:latin typeface="+mn-lt"/>
-                        <a:ea typeface="+mn-ea"/>
-                        <a:cs typeface="+mn-cs"/>
-                      </a:endParaRPr>
-                    </a:p>
-                    <a:p>
-                      <a:pPr marL="0" algn="l" defTabSz="914400" rtl="0" eaLnBrk="1" latinLnBrk="1" hangingPunct="1"/>
-                      <a:endParaRPr lang="ko-KR" altLang="en-US" sz="1400" b="1" kern="1200" dirty="0">
-                        <a:solidFill>
-                          <a:srgbClr val="FF0000"/>
-                        </a:solidFill>
-                        <a:latin typeface="+mn-lt"/>
-                        <a:ea typeface="+mn-ea"/>
-                        <a:cs typeface="+mn-cs"/>
-                      </a:endParaRPr>
-                    </a:p>
-                  </a:txBody>
-                  <a:tcPr/>
-                </a:tc>
-                <a:extLst>
-                  <a:ext uri="{0D108BD9-81ED-4DB2-BD59-A6C34878D82A}">
-                    <a16:rowId xmlns:a16="http://schemas.microsoft.com/office/drawing/2014/main" xmlns="" val="10005"/>
-                  </a:ext>
-                </a:extLst>
-              </a:tr>
-            </a:tbl>
-          </a:graphicData>
-        </a:graphic>
-      </p:graphicFrame>
-      <p:pic>
-        <p:nvPicPr>
-          <p:cNvPr id="4" name="내용 개체 틀 3"/>
-          <p:cNvPicPr>
-            <a:picLocks noGrp="1" noChangeAspect="1"/>
-          </p:cNvPicPr>
-          <p:nvPr>
-            <p:ph sz="half" idx="1"/>
-          </p:nvPr>
-        </p:nvPicPr>
-        <p:blipFill>
-          <a:blip r:embed="rId3">
-            <a:extLst>
-              <a:ext uri="{28A0092B-C50C-407E-A947-70E740481C1C}">
-                <a14:useLocalDpi xmlns:a14="http://schemas.microsoft.com/office/drawing/2010/main" val="0"/>
-              </a:ext>
-            </a:extLst>
-          </a:blip>
-          <a:stretch>
-            <a:fillRect/>
-          </a:stretch>
-        </p:blipFill>
-        <p:spPr>
-          <a:xfrm>
-            <a:off x="-4841" y="1196752"/>
-            <a:ext cx="6712496" cy="5288722"/>
-          </a:xfrm>
-        </p:spPr>
-      </p:pic>
-      <p:sp>
-        <p:nvSpPr>
-          <p:cNvPr id="26" name="모서리가 둥근 직사각형 25"/>
-          <p:cNvSpPr/>
-          <p:nvPr/>
-        </p:nvSpPr>
-        <p:spPr>
-          <a:xfrm>
-            <a:off x="5472854" y="5589240"/>
-            <a:ext cx="489052" cy="288032"/>
-          </a:xfrm>
-          <a:prstGeom prst="roundRect">
-            <a:avLst/>
-          </a:prstGeom>
-          <a:noFill/>
-          <a:ln w="38100">
-            <a:solidFill>
-              <a:srgbClr val="FF0000"/>
-            </a:solidFill>
-          </a:ln>
-        </p:spPr>
-        <p:style>
-          <a:lnRef idx="2">
-            <a:schemeClr val="accent1">
-              <a:shade val="50000"/>
-            </a:schemeClr>
-          </a:lnRef>
-          <a:fillRef idx="1">
-            <a:schemeClr val="accent1"/>
-          </a:fillRef>
-          <a:effectRef idx="0">
-            <a:schemeClr val="accent1"/>
-          </a:effectRef>
-          <a:fontRef idx="minor">
-            <a:schemeClr val="lt1"/>
-          </a:fontRef>
-        </p:style>
-        <p:txBody>
-          <a:bodyPr rtlCol="0" anchor="ctr"/>
-          <a:lstStyle/>
-          <a:p>
-            <a:pPr marL="0" marR="0" lvl="0" indent="0" algn="ctr" defTabSz="449263" rtl="0" eaLnBrk="0" fontAlgn="base" latinLnBrk="0" hangingPunct="0">
-              <a:lnSpc>
-                <a:spcPct val="100000"/>
-              </a:lnSpc>
-              <a:spcBef>
-                <a:spcPct val="0"/>
-              </a:spcBef>
-              <a:spcAft>
-                <a:spcPct val="0"/>
-              </a:spcAft>
-              <a:buClr>
-                <a:srgbClr val="000000"/>
-              </a:buClr>
-              <a:buSzPct val="100000"/>
-              <a:buFont typeface="Times New Roman" pitchFamily="18" charset="0"/>
-              <a:buNone/>
-              <a:tabLst/>
-              <a:defRPr/>
-            </a:pPr>
-            <a:endParaRPr kumimoji="0" lang="ko-KR" altLang="en-US" sz="1200" b="0" i="0" u="none" strike="noStrike" kern="1200" cap="none" spc="0" normalizeH="0" baseline="0" noProof="0">
-              <a:ln>
-                <a:noFill/>
-              </a:ln>
-              <a:solidFill>
-                <a:srgbClr val="FF0000"/>
-              </a:solidFill>
-              <a:effectLst/>
-              <a:uLnTx/>
-              <a:uFillTx/>
-              <a:latin typeface="Tw Cen MT"/>
-              <a:ea typeface="맑은 고딕" panose="020B0503020000020004" pitchFamily="50" charset="-127"/>
-              <a:cs typeface="+mn-cs"/>
-            </a:endParaRPr>
-          </a:p>
-        </p:txBody>
-      </p:sp>
-      <p:sp>
-        <p:nvSpPr>
-          <p:cNvPr id="15" name="모서리가 둥근 직사각형 25"/>
-          <p:cNvSpPr/>
-          <p:nvPr/>
-        </p:nvSpPr>
-        <p:spPr>
-          <a:xfrm>
-            <a:off x="6005596" y="5610324"/>
-            <a:ext cx="460365" cy="266947"/>
-          </a:xfrm>
-          <a:prstGeom prst="roundRect">
-            <a:avLst/>
-          </a:prstGeom>
-          <a:noFill/>
-          <a:ln w="38100">
-            <a:solidFill>
-              <a:srgbClr val="FF0000"/>
-            </a:solidFill>
-          </a:ln>
-        </p:spPr>
-        <p:style>
-          <a:lnRef idx="2">
-            <a:schemeClr val="accent1">
-              <a:shade val="50000"/>
-            </a:schemeClr>
-          </a:lnRef>
-          <a:fillRef idx="1">
-            <a:schemeClr val="accent1"/>
-          </a:fillRef>
-          <a:effectRef idx="0">
-            <a:schemeClr val="accent1"/>
-          </a:effectRef>
-          <a:fontRef idx="minor">
-            <a:schemeClr val="lt1"/>
-          </a:fontRef>
-        </p:style>
-        <p:txBody>
-          <a:bodyPr rtlCol="0" anchor="ctr"/>
-          <a:lstStyle/>
-          <a:p>
-            <a:pPr marL="0" marR="0" lvl="0" indent="0" algn="ctr" defTabSz="449263" rtl="0" eaLnBrk="0" fontAlgn="base" latinLnBrk="0" hangingPunct="0">
-              <a:lnSpc>
-                <a:spcPct val="100000"/>
-              </a:lnSpc>
-              <a:spcBef>
-                <a:spcPct val="0"/>
-              </a:spcBef>
-              <a:spcAft>
-                <a:spcPct val="0"/>
-              </a:spcAft>
-              <a:buClr>
-                <a:srgbClr val="000000"/>
-              </a:buClr>
-              <a:buSzPct val="100000"/>
-              <a:buFont typeface="Times New Roman" pitchFamily="18" charset="0"/>
-              <a:buNone/>
-              <a:tabLst/>
-              <a:defRPr/>
-            </a:pPr>
-            <a:endParaRPr kumimoji="0" lang="ko-KR" altLang="en-US" sz="1200" b="0" i="0" u="none" strike="noStrike" kern="1200" cap="none" spc="0" normalizeH="0" baseline="0" noProof="0">
-              <a:ln>
-                <a:noFill/>
-              </a:ln>
-              <a:solidFill>
-                <a:srgbClr val="FF0000"/>
-              </a:solidFill>
-              <a:effectLst/>
-              <a:uLnTx/>
-              <a:uFillTx/>
-              <a:latin typeface="Tw Cen MT"/>
-              <a:ea typeface="맑은 고딕" panose="020B0503020000020004" pitchFamily="50" charset="-127"/>
-              <a:cs typeface="+mn-cs"/>
-            </a:endParaRPr>
-          </a:p>
-        </p:txBody>
-      </p:sp>
-      <p:sp>
-        <p:nvSpPr>
-          <p:cNvPr id="33" name="타원 32"/>
-          <p:cNvSpPr/>
-          <p:nvPr/>
-        </p:nvSpPr>
-        <p:spPr bwMode="auto">
-          <a:xfrm>
-            <a:off x="5385042" y="5488930"/>
-            <a:ext cx="144000" cy="144000"/>
-          </a:xfrm>
-          <a:prstGeom prst="ellipse">
-            <a:avLst/>
-          </a:prstGeom>
-          <a:solidFill>
-            <a:srgbClr val="FF0000"/>
-          </a:solidFill>
-          <a:ln w="3175" cap="flat" cmpd="sng" algn="ctr">
-            <a:solidFill>
-              <a:srgbClr val="FF0000"/>
-            </a:solidFill>
-            <a:prstDash val="solid"/>
-            <a:round/>
-            <a:headEnd type="none" w="med" len="med"/>
-            <a:tailEnd type="none" w="med" len="med"/>
-          </a:ln>
-          <a:effectLst/>
-        </p:spPr>
-        <p:txBody>
-          <a:bodyPr vert="horz" wrap="none" lIns="91440" tIns="45720" rIns="91440" bIns="45720" numCol="1" rtlCol="0" anchor="ctr" anchorCtr="0" compatLnSpc="1">
-            <a:prstTxWarp prst="textNoShape">
-              <a:avLst/>
-            </a:prstTxWarp>
-          </a:bodyPr>
-          <a:lstStyle/>
-          <a:p>
-            <a:pPr marL="0" marR="0" lvl="0" indent="0" algn="ctr" defTabSz="914400" rtl="0" eaLnBrk="1" fontAlgn="base" latinLnBrk="1" hangingPunct="1">
-              <a:lnSpc>
-                <a:spcPct val="100000"/>
-              </a:lnSpc>
-              <a:spcBef>
-                <a:spcPct val="0"/>
-              </a:spcBef>
-              <a:spcAft>
-                <a:spcPct val="0"/>
-              </a:spcAft>
-              <a:buClrTx/>
-              <a:buSzTx/>
-              <a:buFontTx/>
-              <a:buNone/>
-              <a:tabLst/>
-              <a:defRPr/>
-            </a:pPr>
-            <a:r>
-              <a:rPr kumimoji="1" lang="en-US" altLang="ko-KR" sz="900" b="1" i="0" u="none" strike="noStrike" kern="1200" cap="none" spc="0" normalizeH="0" baseline="0" noProof="0" dirty="0">
-                <a:ln>
-                  <a:noFill/>
-                </a:ln>
-                <a:solidFill>
-                  <a:prstClr val="white"/>
-                </a:solidFill>
-                <a:effectLst/>
-                <a:uLnTx/>
-                <a:uFillTx/>
-                <a:latin typeface="맑은 고딕" pitchFamily="50" charset="-127"/>
-                <a:ea typeface="맑은 고딕" pitchFamily="50" charset="-127"/>
-                <a:cs typeface="+mn-cs"/>
-              </a:rPr>
-              <a:t>1</a:t>
-            </a:r>
-            <a:endParaRPr kumimoji="1" lang="ko-KR" altLang="en-US" sz="900" b="1" i="0" u="none" strike="noStrike" kern="1200" cap="none" spc="0" normalizeH="0" baseline="0" noProof="0" dirty="0">
-              <a:ln>
-                <a:noFill/>
-              </a:ln>
-              <a:solidFill>
-                <a:prstClr val="white"/>
-              </a:solidFill>
-              <a:effectLst/>
-              <a:uLnTx/>
-              <a:uFillTx/>
-              <a:latin typeface="맑은 고딕" pitchFamily="50" charset="-127"/>
-              <a:ea typeface="맑은 고딕" pitchFamily="50" charset="-127"/>
-              <a:cs typeface="+mn-cs"/>
-            </a:endParaRPr>
-          </a:p>
-        </p:txBody>
-      </p:sp>
-      <p:sp>
-        <p:nvSpPr>
-          <p:cNvPr id="37" name="타원 36"/>
-          <p:cNvSpPr/>
-          <p:nvPr/>
-        </p:nvSpPr>
-        <p:spPr bwMode="auto">
-          <a:xfrm>
-            <a:off x="6419529" y="5488930"/>
-            <a:ext cx="144000" cy="144000"/>
-          </a:xfrm>
-          <a:prstGeom prst="ellipse">
-            <a:avLst/>
-          </a:prstGeom>
-          <a:solidFill>
-            <a:srgbClr val="FF0000"/>
-          </a:solidFill>
-          <a:ln w="3175" cap="flat" cmpd="sng" algn="ctr">
-            <a:solidFill>
-              <a:srgbClr val="FF0000"/>
-            </a:solidFill>
-            <a:prstDash val="solid"/>
-            <a:round/>
-            <a:headEnd type="none" w="med" len="med"/>
-            <a:tailEnd type="none" w="med" len="med"/>
-          </a:ln>
-          <a:effectLst/>
-        </p:spPr>
-        <p:txBody>
-          <a:bodyPr vert="horz" wrap="none" lIns="91440" tIns="45720" rIns="91440" bIns="45720" numCol="1" rtlCol="0" anchor="ctr" anchorCtr="0" compatLnSpc="1">
-            <a:prstTxWarp prst="textNoShape">
-              <a:avLst/>
-            </a:prstTxWarp>
-          </a:bodyPr>
-          <a:lstStyle/>
-          <a:p>
-            <a:pPr marL="0" marR="0" lvl="0" indent="0" algn="ctr" defTabSz="914400" rtl="0" eaLnBrk="1" fontAlgn="base" latinLnBrk="1" hangingPunct="1">
-              <a:lnSpc>
-                <a:spcPct val="100000"/>
-              </a:lnSpc>
-              <a:spcBef>
-                <a:spcPct val="0"/>
-              </a:spcBef>
-              <a:spcAft>
-                <a:spcPct val="0"/>
-              </a:spcAft>
-              <a:buClrTx/>
-              <a:buSzTx/>
-              <a:buFontTx/>
-              <a:buNone/>
-              <a:tabLst/>
-              <a:defRPr/>
-            </a:pPr>
-            <a:r>
-              <a:rPr kumimoji="1" lang="en-US" altLang="ko-KR" sz="900" b="1" i="0" u="none" strike="noStrike" kern="1200" cap="none" spc="0" normalizeH="0" baseline="0" noProof="0" dirty="0">
-                <a:ln>
-                  <a:noFill/>
-                </a:ln>
-                <a:solidFill>
-                  <a:prstClr val="white"/>
-                </a:solidFill>
-                <a:effectLst/>
-                <a:uLnTx/>
-                <a:uFillTx/>
-                <a:latin typeface="맑은 고딕" pitchFamily="50" charset="-127"/>
-                <a:ea typeface="맑은 고딕" pitchFamily="50" charset="-127"/>
-                <a:cs typeface="+mn-cs"/>
-              </a:rPr>
-              <a:t>2</a:t>
-            </a:r>
-            <a:endParaRPr kumimoji="1" lang="ko-KR" altLang="en-US" sz="900" b="1" i="0" u="none" strike="noStrike" kern="1200" cap="none" spc="0" normalizeH="0" baseline="0" noProof="0" dirty="0">
-              <a:ln>
-                <a:noFill/>
-              </a:ln>
-              <a:solidFill>
-                <a:prstClr val="white"/>
-              </a:solidFill>
-              <a:effectLst/>
-              <a:uLnTx/>
-              <a:uFillTx/>
-              <a:latin typeface="맑은 고딕" pitchFamily="50" charset="-127"/>
-              <a:ea typeface="맑은 고딕" pitchFamily="50" charset="-127"/>
-              <a:cs typeface="+mn-cs"/>
-            </a:endParaRPr>
-          </a:p>
-        </p:txBody>
-      </p:sp>
-    </p:spTree>
-    <p:extLst>
-      <p:ext uri="{BB962C8B-B14F-4D97-AF65-F5344CB8AC3E}">
-        <p14:creationId xmlns:p14="http://schemas.microsoft.com/office/powerpoint/2010/main" val="4056631619"/>
-      </p:ext>
-    </p:extLst>
-  </p:cSld>
-  <p:clrMapOvr>
-    <a:masterClrMapping/>
-  </p:clrMapOvr>
-  <p:transition spd="med"/>
-  <p:timing>
-    <p:tnLst>
-      <p:par>
-        <p:cTn id="1" dur="indefinite" restart="never" nodeType="tmRoot">
-          <p:childTnLst>
-            <p:seq concurrent="1" nextAc="seek">
-              <p:cTn id="2" dur="0" nodeType="mainSeq"/>
-              <p:prevCondLst>
-                <p:cond evt="onPrev" delay="0">
-                  <p:tgtEl>
-                    <p:sldTgt/>
-                  </p:tgtEl>
-                </p:cond>
-              </p:prevCondLst>
-              <p:nextCondLst>
-                <p:cond evt="onNext" delay="0">
-                  <p:tgtEl>
-                    <p:sldTgt/>
-                  </p:tgtEl>
-                </p:cond>
-              </p:nextCondLst>
-            </p:seq>
-          </p:childTnLst>
-        </p:cTn>
-      </p:par>
-    </p:tnLst>
-  </p:timing>
-</p:sld>
-</file>
-
-<file path=ppt/slides/slide19.xml><?xml version="1.0" encoding="utf-8"?>
-<p:sld xmlns:a="http://schemas.openxmlformats.org/drawingml/2006/main" xmlns:r="http://schemas.openxmlformats.org/officeDocument/2006/relationships" xmlns:p="http://schemas.openxmlformats.org/presentationml/2006/main">
-  <p:cSld>
-    <p:spTree>
-      <p:nvGrpSpPr>
-        <p:cNvPr id="1" name=""/>
-        <p:cNvGrpSpPr/>
-        <p:nvPr/>
-      </p:nvGrpSpPr>
-      <p:grpSpPr>
-        <a:xfrm>
-          <a:off x="0" y="0"/>
-          <a:ext cx="0" cy="0"/>
-          <a:chOff x="0" y="0"/>
-          <a:chExt cx="0" cy="0"/>
-        </a:xfrm>
-      </p:grpSpPr>
-      <p:sp>
-        <p:nvSpPr>
           <p:cNvPr id="12" name="직사각형 2"/>
           <p:cNvSpPr>
             <a:spLocks noChangeArrowheads="1"/>
@@ -22378,550 +21207,7 @@
 </p:sld>
 </file>
 
-<file path=ppt/slides/slide2.xml><?xml version="1.0" encoding="utf-8"?>
-<p:sld xmlns:a="http://schemas.openxmlformats.org/drawingml/2006/main" xmlns:r="http://schemas.openxmlformats.org/officeDocument/2006/relationships" xmlns:p="http://schemas.openxmlformats.org/presentationml/2006/main">
-  <p:cSld>
-    <p:spTree>
-      <p:nvGrpSpPr>
-        <p:cNvPr id="1" name=""/>
-        <p:cNvGrpSpPr/>
-        <p:nvPr/>
-      </p:nvGrpSpPr>
-      <p:grpSpPr>
-        <a:xfrm>
-          <a:off x="0" y="0"/>
-          <a:ext cx="0" cy="0"/>
-          <a:chOff x="0" y="0"/>
-          <a:chExt cx="0" cy="0"/>
-        </a:xfrm>
-      </p:grpSpPr>
-      <p:sp>
-        <p:nvSpPr>
-          <p:cNvPr id="9218" name="제목 2"/>
-          <p:cNvSpPr txBox="1">
-            <a:spLocks/>
-          </p:cNvSpPr>
-          <p:nvPr/>
-        </p:nvSpPr>
-        <p:spPr bwMode="auto">
-          <a:xfrm>
-            <a:off x="632619" y="1340768"/>
-            <a:ext cx="8528050" cy="1938992"/>
-          </a:xfrm>
-          <a:prstGeom prst="rect">
-            <a:avLst/>
-          </a:prstGeom>
-          <a:noFill/>
-          <a:ln>
-            <a:noFill/>
-          </a:ln>
-          <a:extLst>
-            <a:ext uri="{909E8E84-426E-40DD-AFC4-6F175D3DCCD1}">
-              <a14:hiddenFill xmlns:a14="http://schemas.microsoft.com/office/drawing/2010/main">
-                <a:solidFill>
-                  <a:srgbClr val="FFFFFF"/>
-                </a:solidFill>
-              </a14:hiddenFill>
-            </a:ext>
-            <a:ext uri="{91240B29-F687-4F45-9708-019B960494DF}">
-              <a14:hiddenLine xmlns:a14="http://schemas.microsoft.com/office/drawing/2010/main" w="9525">
-                <a:solidFill>
-                  <a:srgbClr val="000000"/>
-                </a:solidFill>
-                <a:miter lim="800000"/>
-                <a:headEnd/>
-                <a:tailEnd/>
-              </a14:hiddenLine>
-            </a:ext>
-          </a:extLst>
-        </p:spPr>
-        <p:txBody>
-          <a:bodyPr>
-            <a:spAutoFit/>
-          </a:bodyPr>
-          <a:lstStyle>
-            <a:lvl1pPr>
-              <a:defRPr kumimoji="1">
-                <a:solidFill>
-                  <a:schemeClr val="tx1"/>
-                </a:solidFill>
-                <a:latin typeface="굴림" pitchFamily="50" charset="-127"/>
-                <a:ea typeface="굴림" pitchFamily="50" charset="-127"/>
-              </a:defRPr>
-            </a:lvl1pPr>
-            <a:lvl2pPr marL="742950" indent="-285750">
-              <a:defRPr kumimoji="1">
-                <a:solidFill>
-                  <a:schemeClr val="tx1"/>
-                </a:solidFill>
-                <a:latin typeface="굴림" pitchFamily="50" charset="-127"/>
-                <a:ea typeface="굴림" pitchFamily="50" charset="-127"/>
-              </a:defRPr>
-            </a:lvl2pPr>
-            <a:lvl3pPr marL="1143000" indent="-228600">
-              <a:defRPr kumimoji="1">
-                <a:solidFill>
-                  <a:schemeClr val="tx1"/>
-                </a:solidFill>
-                <a:latin typeface="굴림" pitchFamily="50" charset="-127"/>
-                <a:ea typeface="굴림" pitchFamily="50" charset="-127"/>
-              </a:defRPr>
-            </a:lvl3pPr>
-            <a:lvl4pPr marL="1600200" indent="-228600">
-              <a:defRPr kumimoji="1">
-                <a:solidFill>
-                  <a:schemeClr val="tx1"/>
-                </a:solidFill>
-                <a:latin typeface="굴림" pitchFamily="50" charset="-127"/>
-                <a:ea typeface="굴림" pitchFamily="50" charset="-127"/>
-              </a:defRPr>
-            </a:lvl4pPr>
-            <a:lvl5pPr marL="2057400" indent="-228600">
-              <a:defRPr kumimoji="1">
-                <a:solidFill>
-                  <a:schemeClr val="tx1"/>
-                </a:solidFill>
-                <a:latin typeface="굴림" pitchFamily="50" charset="-127"/>
-                <a:ea typeface="굴림" pitchFamily="50" charset="-127"/>
-              </a:defRPr>
-            </a:lvl5pPr>
-            <a:lvl6pPr marL="2514600" indent="-228600" eaLnBrk="0" fontAlgn="base" hangingPunct="0">
-              <a:spcBef>
-                <a:spcPct val="0"/>
-              </a:spcBef>
-              <a:spcAft>
-                <a:spcPct val="0"/>
-              </a:spcAft>
-              <a:defRPr kumimoji="1">
-                <a:solidFill>
-                  <a:schemeClr val="tx1"/>
-                </a:solidFill>
-                <a:latin typeface="굴림" pitchFamily="50" charset="-127"/>
-                <a:ea typeface="굴림" pitchFamily="50" charset="-127"/>
-              </a:defRPr>
-            </a:lvl6pPr>
-            <a:lvl7pPr marL="2971800" indent="-228600" eaLnBrk="0" fontAlgn="base" hangingPunct="0">
-              <a:spcBef>
-                <a:spcPct val="0"/>
-              </a:spcBef>
-              <a:spcAft>
-                <a:spcPct val="0"/>
-              </a:spcAft>
-              <a:defRPr kumimoji="1">
-                <a:solidFill>
-                  <a:schemeClr val="tx1"/>
-                </a:solidFill>
-                <a:latin typeface="굴림" pitchFamily="50" charset="-127"/>
-                <a:ea typeface="굴림" pitchFamily="50" charset="-127"/>
-              </a:defRPr>
-            </a:lvl7pPr>
-            <a:lvl8pPr marL="3429000" indent="-228600" eaLnBrk="0" fontAlgn="base" hangingPunct="0">
-              <a:spcBef>
-                <a:spcPct val="0"/>
-              </a:spcBef>
-              <a:spcAft>
-                <a:spcPct val="0"/>
-              </a:spcAft>
-              <a:defRPr kumimoji="1">
-                <a:solidFill>
-                  <a:schemeClr val="tx1"/>
-                </a:solidFill>
-                <a:latin typeface="굴림" pitchFamily="50" charset="-127"/>
-                <a:ea typeface="굴림" pitchFamily="50" charset="-127"/>
-              </a:defRPr>
-            </a:lvl8pPr>
-            <a:lvl9pPr marL="3886200" indent="-228600" eaLnBrk="0" fontAlgn="base" hangingPunct="0">
-              <a:spcBef>
-                <a:spcPct val="0"/>
-              </a:spcBef>
-              <a:spcAft>
-                <a:spcPct val="0"/>
-              </a:spcAft>
-              <a:defRPr kumimoji="1">
-                <a:solidFill>
-                  <a:schemeClr val="tx1"/>
-                </a:solidFill>
-                <a:latin typeface="굴림" pitchFamily="50" charset="-127"/>
-                <a:ea typeface="굴림" pitchFamily="50" charset="-127"/>
-              </a:defRPr>
-            </a:lvl9pPr>
-          </a:lstStyle>
-          <a:p>
-            <a:pPr latinLnBrk="1">
-              <a:lnSpc>
-                <a:spcPct val="150000"/>
-              </a:lnSpc>
-              <a:defRPr/>
-            </a:pPr>
-            <a:r>
-              <a:rPr lang="en-US" altLang="ko-KR" sz="2000" b="1" dirty="0">
-                <a:latin typeface="+mn-ea"/>
-                <a:ea typeface="+mn-ea"/>
-                <a:cs typeface="Arial" pitchFamily="34" charset="0"/>
-              </a:rPr>
-              <a:t>1.1 </a:t>
-            </a:r>
-            <a:r>
-              <a:rPr lang="ko-KR" altLang="en-US" sz="2000" b="1" dirty="0" smtClean="0">
-                <a:latin typeface="+mn-ea"/>
-                <a:ea typeface="+mn-ea"/>
-                <a:cs typeface="Arial" pitchFamily="34" charset="0"/>
-              </a:rPr>
-              <a:t>회사 웹 사이트 기본 구조 구현</a:t>
-            </a:r>
-            <a:endParaRPr lang="en-US" altLang="ko-KR" sz="2000" b="1" dirty="0" smtClean="0">
-              <a:latin typeface="+mn-ea"/>
-              <a:ea typeface="+mn-ea"/>
-              <a:cs typeface="Arial" pitchFamily="34" charset="0"/>
-            </a:endParaRPr>
-          </a:p>
-          <a:p>
-            <a:pPr latinLnBrk="1">
-              <a:lnSpc>
-                <a:spcPct val="150000"/>
-              </a:lnSpc>
-              <a:defRPr/>
-            </a:pPr>
-            <a:r>
-              <a:rPr lang="en-US" altLang="ko-KR" sz="2000" b="1" dirty="0" smtClean="0">
-                <a:latin typeface="+mn-ea"/>
-                <a:ea typeface="+mn-ea"/>
-                <a:cs typeface="Arial" pitchFamily="34" charset="0"/>
-              </a:rPr>
-              <a:t>1.2 </a:t>
-            </a:r>
-            <a:r>
-              <a:rPr lang="ko-KR" altLang="en-US" sz="2000" b="1" dirty="0">
-                <a:latin typeface="+mn-ea"/>
-                <a:ea typeface="+mn-ea"/>
-                <a:cs typeface="Arial" pitchFamily="34" charset="0"/>
-              </a:rPr>
-              <a:t>프로젝트 목적</a:t>
-            </a:r>
-            <a:endParaRPr lang="en-US" altLang="ko-KR" sz="2000" b="1" dirty="0">
-              <a:latin typeface="+mn-ea"/>
-              <a:ea typeface="+mn-ea"/>
-              <a:cs typeface="Arial" pitchFamily="34" charset="0"/>
-            </a:endParaRPr>
-          </a:p>
-          <a:p>
-            <a:pPr latinLnBrk="1">
-              <a:lnSpc>
-                <a:spcPct val="150000"/>
-              </a:lnSpc>
-              <a:defRPr/>
-            </a:pPr>
-            <a:r>
-              <a:rPr lang="ko-KR" altLang="en-US" sz="2000" b="1" dirty="0">
-                <a:latin typeface="+mn-ea"/>
-                <a:ea typeface="+mn-ea"/>
-                <a:cs typeface="Arial" pitchFamily="34" charset="0"/>
-              </a:rPr>
-              <a:t> </a:t>
-            </a:r>
-            <a:r>
-              <a:rPr lang="en-US" altLang="ko-KR" sz="2000" b="1" dirty="0" smtClean="0">
-                <a:latin typeface="+mn-ea"/>
-                <a:ea typeface="+mn-ea"/>
-                <a:cs typeface="Arial" pitchFamily="34" charset="0"/>
-              </a:rPr>
-              <a:t>* </a:t>
-            </a:r>
-            <a:r>
-              <a:rPr lang="ko-KR" altLang="en-US" sz="2000" b="1" dirty="0" smtClean="0">
-                <a:latin typeface="+mn-ea"/>
-                <a:ea typeface="+mn-ea"/>
-                <a:cs typeface="Arial" pitchFamily="34" charset="0"/>
-              </a:rPr>
-              <a:t>다양한 분야의 회사의 업무에 맞게</a:t>
-            </a:r>
-            <a:r>
-              <a:rPr lang="ko-KR" altLang="en-US" sz="2000" b="1" dirty="0" smtClean="0">
-                <a:latin typeface="+mn-ea"/>
-                <a:ea typeface="+mn-ea"/>
-                <a:cs typeface="Arial" pitchFamily="34" charset="0"/>
-              </a:rPr>
-              <a:t> 웹 사이트의 구조를 손쉽게 변경할            수 있도록 제작 </a:t>
-            </a:r>
-            <a:endParaRPr lang="en-US" altLang="ko-KR" sz="1800" b="1" dirty="0">
-              <a:latin typeface="+mn-ea"/>
-              <a:ea typeface="+mn-ea"/>
-              <a:cs typeface="Arial" pitchFamily="34" charset="0"/>
-            </a:endParaRPr>
-          </a:p>
-        </p:txBody>
-      </p:sp>
-      <p:sp>
-        <p:nvSpPr>
-          <p:cNvPr id="9220" name="슬라이드 번호 개체 틀 1"/>
-          <p:cNvSpPr>
-            <a:spLocks noGrp="1"/>
-          </p:cNvSpPr>
-          <p:nvPr>
-            <p:ph type="sldNum" sz="quarter" idx="4294967295"/>
-          </p:nvPr>
-        </p:nvSpPr>
-        <p:spPr bwMode="auto">
-          <a:xfrm>
-            <a:off x="0" y="6492875"/>
-            <a:ext cx="554038" cy="365125"/>
-          </a:xfrm>
-          <a:extLst>
-            <a:ext uri="{909E8E84-426E-40DD-AFC4-6F175D3DCCD1}">
-              <a14:hiddenFill xmlns:a14="http://schemas.microsoft.com/office/drawing/2010/main">
-                <a:solidFill>
-                  <a:srgbClr val="FFFFFF"/>
-                </a:solidFill>
-              </a14:hiddenFill>
-            </a:ext>
-            <a:ext uri="{91240B29-F687-4F45-9708-019B960494DF}">
-              <a14:hiddenLine xmlns:a14="http://schemas.microsoft.com/office/drawing/2010/main" w="9525">
-                <a:solidFill>
-                  <a:srgbClr val="000000"/>
-                </a:solidFill>
-                <a:miter lim="800000"/>
-                <a:headEnd/>
-                <a:tailEnd/>
-              </a14:hiddenLine>
-            </a:ext>
-          </a:extLst>
-        </p:spPr>
-        <p:txBody>
-          <a:bodyPr/>
-          <a:lstStyle>
-            <a:lvl1pPr>
-              <a:defRPr kumimoji="1">
-                <a:solidFill>
-                  <a:schemeClr val="tx1"/>
-                </a:solidFill>
-                <a:latin typeface="굴림" panose="020B0600000101010101" pitchFamily="50" charset="-127"/>
-                <a:ea typeface="굴림" panose="020B0600000101010101" pitchFamily="50" charset="-127"/>
-              </a:defRPr>
-            </a:lvl1pPr>
-            <a:lvl2pPr marL="742950" indent="-285750">
-              <a:defRPr kumimoji="1">
-                <a:solidFill>
-                  <a:schemeClr val="tx1"/>
-                </a:solidFill>
-                <a:latin typeface="굴림" panose="020B0600000101010101" pitchFamily="50" charset="-127"/>
-                <a:ea typeface="굴림" panose="020B0600000101010101" pitchFamily="50" charset="-127"/>
-              </a:defRPr>
-            </a:lvl2pPr>
-            <a:lvl3pPr marL="1143000" indent="-228600">
-              <a:defRPr kumimoji="1">
-                <a:solidFill>
-                  <a:schemeClr val="tx1"/>
-                </a:solidFill>
-                <a:latin typeface="굴림" panose="020B0600000101010101" pitchFamily="50" charset="-127"/>
-                <a:ea typeface="굴림" panose="020B0600000101010101" pitchFamily="50" charset="-127"/>
-              </a:defRPr>
-            </a:lvl3pPr>
-            <a:lvl4pPr marL="1600200" indent="-228600">
-              <a:defRPr kumimoji="1">
-                <a:solidFill>
-                  <a:schemeClr val="tx1"/>
-                </a:solidFill>
-                <a:latin typeface="굴림" panose="020B0600000101010101" pitchFamily="50" charset="-127"/>
-                <a:ea typeface="굴림" panose="020B0600000101010101" pitchFamily="50" charset="-127"/>
-              </a:defRPr>
-            </a:lvl4pPr>
-            <a:lvl5pPr marL="2057400" indent="-228600">
-              <a:defRPr kumimoji="1">
-                <a:solidFill>
-                  <a:schemeClr val="tx1"/>
-                </a:solidFill>
-                <a:latin typeface="굴림" panose="020B0600000101010101" pitchFamily="50" charset="-127"/>
-                <a:ea typeface="굴림" panose="020B0600000101010101" pitchFamily="50" charset="-127"/>
-              </a:defRPr>
-            </a:lvl5pPr>
-            <a:lvl6pPr marL="2514600" indent="-228600" eaLnBrk="0" fontAlgn="base" hangingPunct="0">
-              <a:spcBef>
-                <a:spcPct val="0"/>
-              </a:spcBef>
-              <a:spcAft>
-                <a:spcPct val="0"/>
-              </a:spcAft>
-              <a:defRPr kumimoji="1">
-                <a:solidFill>
-                  <a:schemeClr val="tx1"/>
-                </a:solidFill>
-                <a:latin typeface="굴림" panose="020B0600000101010101" pitchFamily="50" charset="-127"/>
-                <a:ea typeface="굴림" panose="020B0600000101010101" pitchFamily="50" charset="-127"/>
-              </a:defRPr>
-            </a:lvl6pPr>
-            <a:lvl7pPr marL="2971800" indent="-228600" eaLnBrk="0" fontAlgn="base" hangingPunct="0">
-              <a:spcBef>
-                <a:spcPct val="0"/>
-              </a:spcBef>
-              <a:spcAft>
-                <a:spcPct val="0"/>
-              </a:spcAft>
-              <a:defRPr kumimoji="1">
-                <a:solidFill>
-                  <a:schemeClr val="tx1"/>
-                </a:solidFill>
-                <a:latin typeface="굴림" panose="020B0600000101010101" pitchFamily="50" charset="-127"/>
-                <a:ea typeface="굴림" panose="020B0600000101010101" pitchFamily="50" charset="-127"/>
-              </a:defRPr>
-            </a:lvl7pPr>
-            <a:lvl8pPr marL="3429000" indent="-228600" eaLnBrk="0" fontAlgn="base" hangingPunct="0">
-              <a:spcBef>
-                <a:spcPct val="0"/>
-              </a:spcBef>
-              <a:spcAft>
-                <a:spcPct val="0"/>
-              </a:spcAft>
-              <a:defRPr kumimoji="1">
-                <a:solidFill>
-                  <a:schemeClr val="tx1"/>
-                </a:solidFill>
-                <a:latin typeface="굴림" panose="020B0600000101010101" pitchFamily="50" charset="-127"/>
-                <a:ea typeface="굴림" panose="020B0600000101010101" pitchFamily="50" charset="-127"/>
-              </a:defRPr>
-            </a:lvl8pPr>
-            <a:lvl9pPr marL="3886200" indent="-228600" eaLnBrk="0" fontAlgn="base" hangingPunct="0">
-              <a:spcBef>
-                <a:spcPct val="0"/>
-              </a:spcBef>
-              <a:spcAft>
-                <a:spcPct val="0"/>
-              </a:spcAft>
-              <a:defRPr kumimoji="1">
-                <a:solidFill>
-                  <a:schemeClr val="tx1"/>
-                </a:solidFill>
-                <a:latin typeface="굴림" panose="020B0600000101010101" pitchFamily="50" charset="-127"/>
-                <a:ea typeface="굴림" panose="020B0600000101010101" pitchFamily="50" charset="-127"/>
-              </a:defRPr>
-            </a:lvl9pPr>
-          </a:lstStyle>
-          <a:p>
-            <a:fld id="{26D44E3D-1517-495B-BA71-26052BFC6C8F}" type="slidenum">
-              <a:rPr lang="ko-KR" altLang="en-US">
-                <a:solidFill>
-                  <a:srgbClr val="5073BE"/>
-                </a:solidFill>
-                <a:latin typeface="나눔고딕" panose="020D0604000000000000" pitchFamily="50" charset="-127"/>
-                <a:ea typeface="나눔고딕" panose="020D0604000000000000" pitchFamily="50" charset="-127"/>
-              </a:rPr>
-              <a:pPr/>
-              <a:t>2</a:t>
-            </a:fld>
-            <a:endParaRPr lang="ko-KR" altLang="en-US">
-              <a:solidFill>
-                <a:srgbClr val="5073BE"/>
-              </a:solidFill>
-              <a:latin typeface="나눔고딕" panose="020D0604000000000000" pitchFamily="50" charset="-127"/>
-              <a:ea typeface="나눔고딕" panose="020D0604000000000000" pitchFamily="50" charset="-127"/>
-            </a:endParaRPr>
-          </a:p>
-        </p:txBody>
-      </p:sp>
-      <p:sp>
-        <p:nvSpPr>
-          <p:cNvPr id="5" name="TextBox 4"/>
-          <p:cNvSpPr txBox="1">
-            <a:spLocks noChangeArrowheads="1"/>
-          </p:cNvSpPr>
-          <p:nvPr/>
-        </p:nvSpPr>
-        <p:spPr bwMode="auto">
-          <a:xfrm>
-            <a:off x="618912" y="548680"/>
-            <a:ext cx="5919058" cy="784830"/>
-          </a:xfrm>
-          <a:prstGeom prst="rect">
-            <a:avLst/>
-          </a:prstGeom>
-          <a:noFill/>
-          <a:ln w="9525">
-            <a:noFill/>
-            <a:miter lim="800000"/>
-            <a:headEnd/>
-            <a:tailEnd/>
-          </a:ln>
-        </p:spPr>
-        <p:txBody>
-          <a:bodyPr wrap="square">
-            <a:spAutoFit/>
-            <a:scene3d>
-              <a:camera prst="orthographicFront">
-                <a:rot lat="0" lon="0" rev="0"/>
-              </a:camera>
-              <a:lightRig rig="glow" dir="t">
-                <a:rot lat="0" lon="0" rev="3600000"/>
-              </a:lightRig>
-            </a:scene3d>
-            <a:sp3d prstMaterial="softEdge">
-              <a:bevelT w="0" h="0"/>
-              <a:contourClr>
-                <a:schemeClr val="tx1">
-                  <a:lumMod val="75000"/>
-                  <a:lumOff val="25000"/>
-                </a:schemeClr>
-              </a:contourClr>
-            </a:sp3d>
-          </a:bodyPr>
-          <a:lstStyle/>
-          <a:p>
-            <a:pPr eaLnBrk="1" fontAlgn="auto" latinLnBrk="1" hangingPunct="1">
-              <a:spcBef>
-                <a:spcPts val="0"/>
-              </a:spcBef>
-              <a:spcAft>
-                <a:spcPts val="0"/>
-              </a:spcAft>
-              <a:defRPr/>
-            </a:pPr>
-            <a:r>
-              <a:rPr lang="ko-KR" altLang="en-US" sz="4500" b="1" spc="-150" dirty="0" smtClean="0">
-                <a:ln>
-                  <a:prstDash val="solid"/>
-                </a:ln>
-                <a:solidFill>
-                  <a:srgbClr val="C00000"/>
-                </a:solidFill>
-                <a:latin typeface="+mn-ea"/>
-                <a:ea typeface="+mn-ea"/>
-                <a:cs typeface="Tahoma" pitchFamily="34" charset="0"/>
-              </a:rPr>
-              <a:t>프로젝트 개요</a:t>
-            </a:r>
-            <a:endParaRPr lang="en-US" altLang="ko-KR" sz="4500" b="1" spc="-150" dirty="0">
-              <a:ln>
-                <a:prstDash val="solid"/>
-              </a:ln>
-              <a:solidFill>
-                <a:srgbClr val="C00000"/>
-              </a:solidFill>
-              <a:latin typeface="+mn-ea"/>
-              <a:ea typeface="+mn-ea"/>
-              <a:cs typeface="Tahoma" pitchFamily="34" charset="0"/>
-            </a:endParaRPr>
-          </a:p>
-        </p:txBody>
-      </p:sp>
-    </p:spTree>
-    <p:extLst>
-      <p:ext uri="{BB962C8B-B14F-4D97-AF65-F5344CB8AC3E}">
-        <p14:creationId xmlns:p14="http://schemas.microsoft.com/office/powerpoint/2010/main" val="3885044466"/>
-      </p:ext>
-    </p:extLst>
-  </p:cSld>
-  <p:clrMapOvr>
-    <a:masterClrMapping/>
-  </p:clrMapOvr>
-  <p:timing>
-    <p:tnLst>
-      <p:par>
-        <p:cTn id="1" dur="indefinite" restart="never" nodeType="tmRoot"/>
-      </p:par>
-    </p:tnLst>
-  </p:timing>
-</p:sld>
-</file>
-
-<file path=ppt/slides/slide20.xml><?xml version="1.0" encoding="utf-8"?>
+<file path=ppt/slides/slide19.xml><?xml version="1.0" encoding="utf-8"?>
 <p:sld xmlns:a="http://schemas.openxmlformats.org/drawingml/2006/main" xmlns:r="http://schemas.openxmlformats.org/officeDocument/2006/relationships" xmlns:p="http://schemas.openxmlformats.org/presentationml/2006/main">
   <p:cSld>
     <p:spTree>
@@ -24529,7 +22815,550 @@
 </p:sld>
 </file>
 
-<file path=ppt/slides/slide21.xml><?xml version="1.0" encoding="utf-8"?>
+<file path=ppt/slides/slide2.xml><?xml version="1.0" encoding="utf-8"?>
+<p:sld xmlns:a="http://schemas.openxmlformats.org/drawingml/2006/main" xmlns:r="http://schemas.openxmlformats.org/officeDocument/2006/relationships" xmlns:p="http://schemas.openxmlformats.org/presentationml/2006/main">
+  <p:cSld>
+    <p:spTree>
+      <p:nvGrpSpPr>
+        <p:cNvPr id="1" name=""/>
+        <p:cNvGrpSpPr/>
+        <p:nvPr/>
+      </p:nvGrpSpPr>
+      <p:grpSpPr>
+        <a:xfrm>
+          <a:off x="0" y="0"/>
+          <a:ext cx="0" cy="0"/>
+          <a:chOff x="0" y="0"/>
+          <a:chExt cx="0" cy="0"/>
+        </a:xfrm>
+      </p:grpSpPr>
+      <p:sp>
+        <p:nvSpPr>
+          <p:cNvPr id="9218" name="제목 2"/>
+          <p:cNvSpPr txBox="1">
+            <a:spLocks/>
+          </p:cNvSpPr>
+          <p:nvPr/>
+        </p:nvSpPr>
+        <p:spPr bwMode="auto">
+          <a:xfrm>
+            <a:off x="632619" y="1340768"/>
+            <a:ext cx="8528050" cy="1938992"/>
+          </a:xfrm>
+          <a:prstGeom prst="rect">
+            <a:avLst/>
+          </a:prstGeom>
+          <a:noFill/>
+          <a:ln>
+            <a:noFill/>
+          </a:ln>
+          <a:extLst>
+            <a:ext uri="{909E8E84-426E-40DD-AFC4-6F175D3DCCD1}">
+              <a14:hiddenFill xmlns:a14="http://schemas.microsoft.com/office/drawing/2010/main">
+                <a:solidFill>
+                  <a:srgbClr val="FFFFFF"/>
+                </a:solidFill>
+              </a14:hiddenFill>
+            </a:ext>
+            <a:ext uri="{91240B29-F687-4F45-9708-019B960494DF}">
+              <a14:hiddenLine xmlns:a14="http://schemas.microsoft.com/office/drawing/2010/main" w="9525">
+                <a:solidFill>
+                  <a:srgbClr val="000000"/>
+                </a:solidFill>
+                <a:miter lim="800000"/>
+                <a:headEnd/>
+                <a:tailEnd/>
+              </a14:hiddenLine>
+            </a:ext>
+          </a:extLst>
+        </p:spPr>
+        <p:txBody>
+          <a:bodyPr>
+            <a:spAutoFit/>
+          </a:bodyPr>
+          <a:lstStyle>
+            <a:lvl1pPr>
+              <a:defRPr kumimoji="1">
+                <a:solidFill>
+                  <a:schemeClr val="tx1"/>
+                </a:solidFill>
+                <a:latin typeface="굴림" pitchFamily="50" charset="-127"/>
+                <a:ea typeface="굴림" pitchFamily="50" charset="-127"/>
+              </a:defRPr>
+            </a:lvl1pPr>
+            <a:lvl2pPr marL="742950" indent="-285750">
+              <a:defRPr kumimoji="1">
+                <a:solidFill>
+                  <a:schemeClr val="tx1"/>
+                </a:solidFill>
+                <a:latin typeface="굴림" pitchFamily="50" charset="-127"/>
+                <a:ea typeface="굴림" pitchFamily="50" charset="-127"/>
+              </a:defRPr>
+            </a:lvl2pPr>
+            <a:lvl3pPr marL="1143000" indent="-228600">
+              <a:defRPr kumimoji="1">
+                <a:solidFill>
+                  <a:schemeClr val="tx1"/>
+                </a:solidFill>
+                <a:latin typeface="굴림" pitchFamily="50" charset="-127"/>
+                <a:ea typeface="굴림" pitchFamily="50" charset="-127"/>
+              </a:defRPr>
+            </a:lvl3pPr>
+            <a:lvl4pPr marL="1600200" indent="-228600">
+              <a:defRPr kumimoji="1">
+                <a:solidFill>
+                  <a:schemeClr val="tx1"/>
+                </a:solidFill>
+                <a:latin typeface="굴림" pitchFamily="50" charset="-127"/>
+                <a:ea typeface="굴림" pitchFamily="50" charset="-127"/>
+              </a:defRPr>
+            </a:lvl4pPr>
+            <a:lvl5pPr marL="2057400" indent="-228600">
+              <a:defRPr kumimoji="1">
+                <a:solidFill>
+                  <a:schemeClr val="tx1"/>
+                </a:solidFill>
+                <a:latin typeface="굴림" pitchFamily="50" charset="-127"/>
+                <a:ea typeface="굴림" pitchFamily="50" charset="-127"/>
+              </a:defRPr>
+            </a:lvl5pPr>
+            <a:lvl6pPr marL="2514600" indent="-228600" eaLnBrk="0" fontAlgn="base" hangingPunct="0">
+              <a:spcBef>
+                <a:spcPct val="0"/>
+              </a:spcBef>
+              <a:spcAft>
+                <a:spcPct val="0"/>
+              </a:spcAft>
+              <a:defRPr kumimoji="1">
+                <a:solidFill>
+                  <a:schemeClr val="tx1"/>
+                </a:solidFill>
+                <a:latin typeface="굴림" pitchFamily="50" charset="-127"/>
+                <a:ea typeface="굴림" pitchFamily="50" charset="-127"/>
+              </a:defRPr>
+            </a:lvl6pPr>
+            <a:lvl7pPr marL="2971800" indent="-228600" eaLnBrk="0" fontAlgn="base" hangingPunct="0">
+              <a:spcBef>
+                <a:spcPct val="0"/>
+              </a:spcBef>
+              <a:spcAft>
+                <a:spcPct val="0"/>
+              </a:spcAft>
+              <a:defRPr kumimoji="1">
+                <a:solidFill>
+                  <a:schemeClr val="tx1"/>
+                </a:solidFill>
+                <a:latin typeface="굴림" pitchFamily="50" charset="-127"/>
+                <a:ea typeface="굴림" pitchFamily="50" charset="-127"/>
+              </a:defRPr>
+            </a:lvl7pPr>
+            <a:lvl8pPr marL="3429000" indent="-228600" eaLnBrk="0" fontAlgn="base" hangingPunct="0">
+              <a:spcBef>
+                <a:spcPct val="0"/>
+              </a:spcBef>
+              <a:spcAft>
+                <a:spcPct val="0"/>
+              </a:spcAft>
+              <a:defRPr kumimoji="1">
+                <a:solidFill>
+                  <a:schemeClr val="tx1"/>
+                </a:solidFill>
+                <a:latin typeface="굴림" pitchFamily="50" charset="-127"/>
+                <a:ea typeface="굴림" pitchFamily="50" charset="-127"/>
+              </a:defRPr>
+            </a:lvl8pPr>
+            <a:lvl9pPr marL="3886200" indent="-228600" eaLnBrk="0" fontAlgn="base" hangingPunct="0">
+              <a:spcBef>
+                <a:spcPct val="0"/>
+              </a:spcBef>
+              <a:spcAft>
+                <a:spcPct val="0"/>
+              </a:spcAft>
+              <a:defRPr kumimoji="1">
+                <a:solidFill>
+                  <a:schemeClr val="tx1"/>
+                </a:solidFill>
+                <a:latin typeface="굴림" pitchFamily="50" charset="-127"/>
+                <a:ea typeface="굴림" pitchFamily="50" charset="-127"/>
+              </a:defRPr>
+            </a:lvl9pPr>
+          </a:lstStyle>
+          <a:p>
+            <a:pPr latinLnBrk="1">
+              <a:lnSpc>
+                <a:spcPct val="150000"/>
+              </a:lnSpc>
+              <a:defRPr/>
+            </a:pPr>
+            <a:r>
+              <a:rPr lang="en-US" altLang="ko-KR" sz="2000" b="1" dirty="0">
+                <a:latin typeface="+mn-ea"/>
+                <a:ea typeface="+mn-ea"/>
+                <a:cs typeface="Arial" pitchFamily="34" charset="0"/>
+              </a:rPr>
+              <a:t>1.1 </a:t>
+            </a:r>
+            <a:r>
+              <a:rPr lang="ko-KR" altLang="en-US" sz="2000" b="1" dirty="0" smtClean="0">
+                <a:latin typeface="+mn-ea"/>
+                <a:ea typeface="+mn-ea"/>
+                <a:cs typeface="Arial" pitchFamily="34" charset="0"/>
+              </a:rPr>
+              <a:t>회사 웹 사이트 기본 구조 구현</a:t>
+            </a:r>
+            <a:endParaRPr lang="en-US" altLang="ko-KR" sz="2000" b="1" dirty="0" smtClean="0">
+              <a:latin typeface="+mn-ea"/>
+              <a:ea typeface="+mn-ea"/>
+              <a:cs typeface="Arial" pitchFamily="34" charset="0"/>
+            </a:endParaRPr>
+          </a:p>
+          <a:p>
+            <a:pPr latinLnBrk="1">
+              <a:lnSpc>
+                <a:spcPct val="150000"/>
+              </a:lnSpc>
+              <a:defRPr/>
+            </a:pPr>
+            <a:r>
+              <a:rPr lang="en-US" altLang="ko-KR" sz="2000" b="1" dirty="0" smtClean="0">
+                <a:latin typeface="+mn-ea"/>
+                <a:ea typeface="+mn-ea"/>
+                <a:cs typeface="Arial" pitchFamily="34" charset="0"/>
+              </a:rPr>
+              <a:t>1.2 </a:t>
+            </a:r>
+            <a:r>
+              <a:rPr lang="ko-KR" altLang="en-US" sz="2000" b="1" dirty="0">
+                <a:latin typeface="+mn-ea"/>
+                <a:ea typeface="+mn-ea"/>
+                <a:cs typeface="Arial" pitchFamily="34" charset="0"/>
+              </a:rPr>
+              <a:t>프로젝트 목적</a:t>
+            </a:r>
+            <a:endParaRPr lang="en-US" altLang="ko-KR" sz="2000" b="1" dirty="0">
+              <a:latin typeface="+mn-ea"/>
+              <a:ea typeface="+mn-ea"/>
+              <a:cs typeface="Arial" pitchFamily="34" charset="0"/>
+            </a:endParaRPr>
+          </a:p>
+          <a:p>
+            <a:pPr latinLnBrk="1">
+              <a:lnSpc>
+                <a:spcPct val="150000"/>
+              </a:lnSpc>
+              <a:defRPr/>
+            </a:pPr>
+            <a:r>
+              <a:rPr lang="ko-KR" altLang="en-US" sz="2000" b="1" dirty="0">
+                <a:latin typeface="+mn-ea"/>
+                <a:ea typeface="+mn-ea"/>
+                <a:cs typeface="Arial" pitchFamily="34" charset="0"/>
+              </a:rPr>
+              <a:t> </a:t>
+            </a:r>
+            <a:r>
+              <a:rPr lang="en-US" altLang="ko-KR" sz="2000" b="1" dirty="0" smtClean="0">
+                <a:latin typeface="+mn-ea"/>
+                <a:ea typeface="+mn-ea"/>
+                <a:cs typeface="Arial" pitchFamily="34" charset="0"/>
+              </a:rPr>
+              <a:t>* </a:t>
+            </a:r>
+            <a:r>
+              <a:rPr lang="ko-KR" altLang="en-US" sz="2000" b="1" dirty="0" smtClean="0">
+                <a:latin typeface="+mn-ea"/>
+                <a:ea typeface="+mn-ea"/>
+                <a:cs typeface="Arial" pitchFamily="34" charset="0"/>
+              </a:rPr>
+              <a:t>다양한 분야의 회사의 업무에 맞게</a:t>
+            </a:r>
+            <a:r>
+              <a:rPr lang="ko-KR" altLang="en-US" sz="2000" b="1" dirty="0" smtClean="0">
+                <a:latin typeface="+mn-ea"/>
+                <a:ea typeface="+mn-ea"/>
+                <a:cs typeface="Arial" pitchFamily="34" charset="0"/>
+              </a:rPr>
+              <a:t> 웹 사이트의 구조를 손쉽게 변경할            수 있도록 제작 </a:t>
+            </a:r>
+            <a:endParaRPr lang="en-US" altLang="ko-KR" sz="1800" b="1" dirty="0">
+              <a:latin typeface="+mn-ea"/>
+              <a:ea typeface="+mn-ea"/>
+              <a:cs typeface="Arial" pitchFamily="34" charset="0"/>
+            </a:endParaRPr>
+          </a:p>
+        </p:txBody>
+      </p:sp>
+      <p:sp>
+        <p:nvSpPr>
+          <p:cNvPr id="9220" name="슬라이드 번호 개체 틀 1"/>
+          <p:cNvSpPr>
+            <a:spLocks noGrp="1"/>
+          </p:cNvSpPr>
+          <p:nvPr>
+            <p:ph type="sldNum" sz="quarter" idx="4294967295"/>
+          </p:nvPr>
+        </p:nvSpPr>
+        <p:spPr bwMode="auto">
+          <a:xfrm>
+            <a:off x="0" y="6492875"/>
+            <a:ext cx="554038" cy="365125"/>
+          </a:xfrm>
+          <a:extLst>
+            <a:ext uri="{909E8E84-426E-40DD-AFC4-6F175D3DCCD1}">
+              <a14:hiddenFill xmlns:a14="http://schemas.microsoft.com/office/drawing/2010/main">
+                <a:solidFill>
+                  <a:srgbClr val="FFFFFF"/>
+                </a:solidFill>
+              </a14:hiddenFill>
+            </a:ext>
+            <a:ext uri="{91240B29-F687-4F45-9708-019B960494DF}">
+              <a14:hiddenLine xmlns:a14="http://schemas.microsoft.com/office/drawing/2010/main" w="9525">
+                <a:solidFill>
+                  <a:srgbClr val="000000"/>
+                </a:solidFill>
+                <a:miter lim="800000"/>
+                <a:headEnd/>
+                <a:tailEnd/>
+              </a14:hiddenLine>
+            </a:ext>
+          </a:extLst>
+        </p:spPr>
+        <p:txBody>
+          <a:bodyPr/>
+          <a:lstStyle>
+            <a:lvl1pPr>
+              <a:defRPr kumimoji="1">
+                <a:solidFill>
+                  <a:schemeClr val="tx1"/>
+                </a:solidFill>
+                <a:latin typeface="굴림" panose="020B0600000101010101" pitchFamily="50" charset="-127"/>
+                <a:ea typeface="굴림" panose="020B0600000101010101" pitchFamily="50" charset="-127"/>
+              </a:defRPr>
+            </a:lvl1pPr>
+            <a:lvl2pPr marL="742950" indent="-285750">
+              <a:defRPr kumimoji="1">
+                <a:solidFill>
+                  <a:schemeClr val="tx1"/>
+                </a:solidFill>
+                <a:latin typeface="굴림" panose="020B0600000101010101" pitchFamily="50" charset="-127"/>
+                <a:ea typeface="굴림" panose="020B0600000101010101" pitchFamily="50" charset="-127"/>
+              </a:defRPr>
+            </a:lvl2pPr>
+            <a:lvl3pPr marL="1143000" indent="-228600">
+              <a:defRPr kumimoji="1">
+                <a:solidFill>
+                  <a:schemeClr val="tx1"/>
+                </a:solidFill>
+                <a:latin typeface="굴림" panose="020B0600000101010101" pitchFamily="50" charset="-127"/>
+                <a:ea typeface="굴림" panose="020B0600000101010101" pitchFamily="50" charset="-127"/>
+              </a:defRPr>
+            </a:lvl3pPr>
+            <a:lvl4pPr marL="1600200" indent="-228600">
+              <a:defRPr kumimoji="1">
+                <a:solidFill>
+                  <a:schemeClr val="tx1"/>
+                </a:solidFill>
+                <a:latin typeface="굴림" panose="020B0600000101010101" pitchFamily="50" charset="-127"/>
+                <a:ea typeface="굴림" panose="020B0600000101010101" pitchFamily="50" charset="-127"/>
+              </a:defRPr>
+            </a:lvl4pPr>
+            <a:lvl5pPr marL="2057400" indent="-228600">
+              <a:defRPr kumimoji="1">
+                <a:solidFill>
+                  <a:schemeClr val="tx1"/>
+                </a:solidFill>
+                <a:latin typeface="굴림" panose="020B0600000101010101" pitchFamily="50" charset="-127"/>
+                <a:ea typeface="굴림" panose="020B0600000101010101" pitchFamily="50" charset="-127"/>
+              </a:defRPr>
+            </a:lvl5pPr>
+            <a:lvl6pPr marL="2514600" indent="-228600" eaLnBrk="0" fontAlgn="base" hangingPunct="0">
+              <a:spcBef>
+                <a:spcPct val="0"/>
+              </a:spcBef>
+              <a:spcAft>
+                <a:spcPct val="0"/>
+              </a:spcAft>
+              <a:defRPr kumimoji="1">
+                <a:solidFill>
+                  <a:schemeClr val="tx1"/>
+                </a:solidFill>
+                <a:latin typeface="굴림" panose="020B0600000101010101" pitchFamily="50" charset="-127"/>
+                <a:ea typeface="굴림" panose="020B0600000101010101" pitchFamily="50" charset="-127"/>
+              </a:defRPr>
+            </a:lvl6pPr>
+            <a:lvl7pPr marL="2971800" indent="-228600" eaLnBrk="0" fontAlgn="base" hangingPunct="0">
+              <a:spcBef>
+                <a:spcPct val="0"/>
+              </a:spcBef>
+              <a:spcAft>
+                <a:spcPct val="0"/>
+              </a:spcAft>
+              <a:defRPr kumimoji="1">
+                <a:solidFill>
+                  <a:schemeClr val="tx1"/>
+                </a:solidFill>
+                <a:latin typeface="굴림" panose="020B0600000101010101" pitchFamily="50" charset="-127"/>
+                <a:ea typeface="굴림" panose="020B0600000101010101" pitchFamily="50" charset="-127"/>
+              </a:defRPr>
+            </a:lvl7pPr>
+            <a:lvl8pPr marL="3429000" indent="-228600" eaLnBrk="0" fontAlgn="base" hangingPunct="0">
+              <a:spcBef>
+                <a:spcPct val="0"/>
+              </a:spcBef>
+              <a:spcAft>
+                <a:spcPct val="0"/>
+              </a:spcAft>
+              <a:defRPr kumimoji="1">
+                <a:solidFill>
+                  <a:schemeClr val="tx1"/>
+                </a:solidFill>
+                <a:latin typeface="굴림" panose="020B0600000101010101" pitchFamily="50" charset="-127"/>
+                <a:ea typeface="굴림" panose="020B0600000101010101" pitchFamily="50" charset="-127"/>
+              </a:defRPr>
+            </a:lvl8pPr>
+            <a:lvl9pPr marL="3886200" indent="-228600" eaLnBrk="0" fontAlgn="base" hangingPunct="0">
+              <a:spcBef>
+                <a:spcPct val="0"/>
+              </a:spcBef>
+              <a:spcAft>
+                <a:spcPct val="0"/>
+              </a:spcAft>
+              <a:defRPr kumimoji="1">
+                <a:solidFill>
+                  <a:schemeClr val="tx1"/>
+                </a:solidFill>
+                <a:latin typeface="굴림" panose="020B0600000101010101" pitchFamily="50" charset="-127"/>
+                <a:ea typeface="굴림" panose="020B0600000101010101" pitchFamily="50" charset="-127"/>
+              </a:defRPr>
+            </a:lvl9pPr>
+          </a:lstStyle>
+          <a:p>
+            <a:fld id="{26D44E3D-1517-495B-BA71-26052BFC6C8F}" type="slidenum">
+              <a:rPr lang="ko-KR" altLang="en-US">
+                <a:solidFill>
+                  <a:srgbClr val="5073BE"/>
+                </a:solidFill>
+                <a:latin typeface="나눔고딕" panose="020D0604000000000000" pitchFamily="50" charset="-127"/>
+                <a:ea typeface="나눔고딕" panose="020D0604000000000000" pitchFamily="50" charset="-127"/>
+              </a:rPr>
+              <a:pPr/>
+              <a:t>2</a:t>
+            </a:fld>
+            <a:endParaRPr lang="ko-KR" altLang="en-US">
+              <a:solidFill>
+                <a:srgbClr val="5073BE"/>
+              </a:solidFill>
+              <a:latin typeface="나눔고딕" panose="020D0604000000000000" pitchFamily="50" charset="-127"/>
+              <a:ea typeface="나눔고딕" panose="020D0604000000000000" pitchFamily="50" charset="-127"/>
+            </a:endParaRPr>
+          </a:p>
+        </p:txBody>
+      </p:sp>
+      <p:sp>
+        <p:nvSpPr>
+          <p:cNvPr id="5" name="TextBox 4"/>
+          <p:cNvSpPr txBox="1">
+            <a:spLocks noChangeArrowheads="1"/>
+          </p:cNvSpPr>
+          <p:nvPr/>
+        </p:nvSpPr>
+        <p:spPr bwMode="auto">
+          <a:xfrm>
+            <a:off x="618912" y="548680"/>
+            <a:ext cx="5919058" cy="784830"/>
+          </a:xfrm>
+          <a:prstGeom prst="rect">
+            <a:avLst/>
+          </a:prstGeom>
+          <a:noFill/>
+          <a:ln w="9525">
+            <a:noFill/>
+            <a:miter lim="800000"/>
+            <a:headEnd/>
+            <a:tailEnd/>
+          </a:ln>
+        </p:spPr>
+        <p:txBody>
+          <a:bodyPr wrap="square">
+            <a:spAutoFit/>
+            <a:scene3d>
+              <a:camera prst="orthographicFront">
+                <a:rot lat="0" lon="0" rev="0"/>
+              </a:camera>
+              <a:lightRig rig="glow" dir="t">
+                <a:rot lat="0" lon="0" rev="3600000"/>
+              </a:lightRig>
+            </a:scene3d>
+            <a:sp3d prstMaterial="softEdge">
+              <a:bevelT w="0" h="0"/>
+              <a:contourClr>
+                <a:schemeClr val="tx1">
+                  <a:lumMod val="75000"/>
+                  <a:lumOff val="25000"/>
+                </a:schemeClr>
+              </a:contourClr>
+            </a:sp3d>
+          </a:bodyPr>
+          <a:lstStyle/>
+          <a:p>
+            <a:pPr eaLnBrk="1" fontAlgn="auto" latinLnBrk="1" hangingPunct="1">
+              <a:spcBef>
+                <a:spcPts val="0"/>
+              </a:spcBef>
+              <a:spcAft>
+                <a:spcPts val="0"/>
+              </a:spcAft>
+              <a:defRPr/>
+            </a:pPr>
+            <a:r>
+              <a:rPr lang="ko-KR" altLang="en-US" sz="4500" b="1" spc="-150" dirty="0" smtClean="0">
+                <a:ln>
+                  <a:prstDash val="solid"/>
+                </a:ln>
+                <a:solidFill>
+                  <a:srgbClr val="C00000"/>
+                </a:solidFill>
+                <a:latin typeface="+mn-ea"/>
+                <a:ea typeface="+mn-ea"/>
+                <a:cs typeface="Tahoma" pitchFamily="34" charset="0"/>
+              </a:rPr>
+              <a:t>프로젝트 개요</a:t>
+            </a:r>
+            <a:endParaRPr lang="en-US" altLang="ko-KR" sz="4500" b="1" spc="-150" dirty="0">
+              <a:ln>
+                <a:prstDash val="solid"/>
+              </a:ln>
+              <a:solidFill>
+                <a:srgbClr val="C00000"/>
+              </a:solidFill>
+              <a:latin typeface="+mn-ea"/>
+              <a:ea typeface="+mn-ea"/>
+              <a:cs typeface="Tahoma" pitchFamily="34" charset="0"/>
+            </a:endParaRPr>
+          </a:p>
+        </p:txBody>
+      </p:sp>
+    </p:spTree>
+    <p:extLst>
+      <p:ext uri="{BB962C8B-B14F-4D97-AF65-F5344CB8AC3E}">
+        <p14:creationId xmlns:p14="http://schemas.microsoft.com/office/powerpoint/2010/main" val="3885044466"/>
+      </p:ext>
+    </p:extLst>
+  </p:cSld>
+  <p:clrMapOvr>
+    <a:masterClrMapping/>
+  </p:clrMapOvr>
+  <p:timing>
+    <p:tnLst>
+      <p:par>
+        <p:cTn id="1" dur="indefinite" restart="never" nodeType="tmRoot"/>
+      </p:par>
+    </p:tnLst>
+  </p:timing>
+</p:sld>
+</file>
+
+<file path=ppt/slides/slide20.xml><?xml version="1.0" encoding="utf-8"?>
 <p:sld xmlns:a="http://schemas.openxmlformats.org/drawingml/2006/main" xmlns:r="http://schemas.openxmlformats.org/officeDocument/2006/relationships" xmlns:p="http://schemas.openxmlformats.org/presentationml/2006/main">
   <p:cSld>
     <p:spTree>
@@ -25403,7 +24232,7 @@
               <a:defRPr/>
             </a:pPr>
             <a:r>
-              <a:rPr kumimoji="1" lang="en-US" altLang="ko-KR" sz="900" b="1" i="0" u="none" strike="noStrike" kern="1200" cap="none" spc="0" normalizeH="0" baseline="0" noProof="0" smtClean="0">
+              <a:rPr kumimoji="1" lang="en-US" altLang="ko-KR" sz="900" b="1" i="0" u="none" strike="noStrike" kern="1200" cap="none" spc="0" normalizeH="0" baseline="0" noProof="0" dirty="0" smtClean="0">
                 <a:ln>
                   <a:noFill/>
                 </a:ln>
@@ -25520,6 +24349,906 @@
     <p:extLst>
       <p:ext uri="{BB962C8B-B14F-4D97-AF65-F5344CB8AC3E}">
         <p14:creationId xmlns:p14="http://schemas.microsoft.com/office/powerpoint/2010/main" val="2125626076"/>
+      </p:ext>
+    </p:extLst>
+  </p:cSld>
+  <p:clrMapOvr>
+    <a:masterClrMapping/>
+  </p:clrMapOvr>
+  <p:transition spd="med"/>
+  <p:timing>
+    <p:tnLst>
+      <p:par>
+        <p:cTn id="1" dur="indefinite" restart="never" nodeType="tmRoot">
+          <p:childTnLst>
+            <p:seq concurrent="1" nextAc="seek">
+              <p:cTn id="2" dur="0" nodeType="mainSeq"/>
+              <p:prevCondLst>
+                <p:cond evt="onPrev" delay="0">
+                  <p:tgtEl>
+                    <p:sldTgt/>
+                  </p:tgtEl>
+                </p:cond>
+              </p:prevCondLst>
+              <p:nextCondLst>
+                <p:cond evt="onNext" delay="0">
+                  <p:tgtEl>
+                    <p:sldTgt/>
+                  </p:tgtEl>
+                </p:cond>
+              </p:nextCondLst>
+            </p:seq>
+          </p:childTnLst>
+        </p:cTn>
+      </p:par>
+    </p:tnLst>
+  </p:timing>
+</p:sld>
+</file>
+
+<file path=ppt/slides/slide21.xml><?xml version="1.0" encoding="utf-8"?>
+<p:sld xmlns:a="http://schemas.openxmlformats.org/drawingml/2006/main" xmlns:r="http://schemas.openxmlformats.org/officeDocument/2006/relationships" xmlns:p="http://schemas.openxmlformats.org/presentationml/2006/main">
+  <p:cSld>
+    <p:spTree>
+      <p:nvGrpSpPr>
+        <p:cNvPr id="1" name=""/>
+        <p:cNvGrpSpPr/>
+        <p:nvPr/>
+      </p:nvGrpSpPr>
+      <p:grpSpPr>
+        <a:xfrm>
+          <a:off x="0" y="0"/>
+          <a:ext cx="0" cy="0"/>
+          <a:chOff x="0" y="0"/>
+          <a:chExt cx="0" cy="0"/>
+        </a:xfrm>
+      </p:grpSpPr>
+      <p:pic>
+        <p:nvPicPr>
+          <p:cNvPr id="11266" name="Picture 2" descr="C:\Users\Administrator\Desktop\캡쳐\교육장소.JPG"/>
+          <p:cNvPicPr>
+            <a:picLocks noChangeAspect="1" noChangeArrowheads="1"/>
+          </p:cNvPicPr>
+          <p:nvPr/>
+        </p:nvPicPr>
+        <p:blipFill>
+          <a:blip r:embed="rId3">
+            <a:extLst>
+              <a:ext uri="{28A0092B-C50C-407E-A947-70E740481C1C}">
+                <a14:useLocalDpi xmlns:a14="http://schemas.microsoft.com/office/drawing/2010/main" val="0"/>
+              </a:ext>
+            </a:extLst>
+          </a:blip>
+          <a:srcRect/>
+          <a:stretch>
+            <a:fillRect/>
+          </a:stretch>
+        </p:blipFill>
+        <p:spPr bwMode="auto">
+          <a:xfrm>
+            <a:off x="129258" y="1333480"/>
+            <a:ext cx="6480720" cy="4648200"/>
+          </a:xfrm>
+          <a:prstGeom prst="rect">
+            <a:avLst/>
+          </a:prstGeom>
+          <a:noFill/>
+          <a:extLst>
+            <a:ext uri="{909E8E84-426E-40DD-AFC4-6F175D3DCCD1}">
+              <a14:hiddenFill xmlns:a14="http://schemas.microsoft.com/office/drawing/2010/main">
+                <a:solidFill>
+                  <a:srgbClr val="FFFFFF"/>
+                </a:solidFill>
+              </a14:hiddenFill>
+            </a:ext>
+          </a:extLst>
+        </p:spPr>
+      </p:pic>
+      <p:sp>
+        <p:nvSpPr>
+          <p:cNvPr id="21" name="제목 20"/>
+          <p:cNvSpPr>
+            <a:spLocks noGrp="1"/>
+          </p:cNvSpPr>
+          <p:nvPr>
+            <p:ph type="title"/>
+          </p:nvPr>
+        </p:nvSpPr>
+        <p:spPr>
+          <a:xfrm>
+            <a:off x="495380" y="164624"/>
+            <a:ext cx="8916829" cy="960120"/>
+          </a:xfrm>
+        </p:spPr>
+        <p:txBody>
+          <a:bodyPr/>
+          <a:lstStyle/>
+          <a:p>
+            <a:r>
+              <a:rPr lang="ko-KR" altLang="en-US" dirty="0" smtClean="0"/>
+              <a:t>교육 등록</a:t>
+            </a:r>
+            <a:r>
+              <a:rPr lang="en-US" altLang="ko-KR" dirty="0"/>
+              <a:t> </a:t>
+            </a:r>
+            <a:r>
+              <a:rPr lang="en-US" altLang="ko-KR" dirty="0" smtClean="0"/>
+              <a:t>– </a:t>
+            </a:r>
+            <a:r>
+              <a:rPr lang="ko-KR" altLang="en-US" dirty="0" smtClean="0"/>
+              <a:t>교육 장소 </a:t>
+            </a:r>
+            <a:r>
+              <a:rPr lang="en-US" altLang="ko-KR" dirty="0" smtClean="0"/>
+              <a:t>(</a:t>
+            </a:r>
+            <a:r>
+              <a:rPr lang="ko-KR" altLang="en-US" dirty="0" err="1" smtClean="0"/>
+              <a:t>구글맵</a:t>
+            </a:r>
+            <a:r>
+              <a:rPr lang="en-US" altLang="ko-KR" dirty="0"/>
+              <a:t>)</a:t>
+            </a:r>
+            <a:endParaRPr lang="ko-KR" altLang="en-US" dirty="0"/>
+          </a:p>
+        </p:txBody>
+      </p:sp>
+      <p:graphicFrame>
+        <p:nvGraphicFramePr>
+          <p:cNvPr id="32" name="표 31"/>
+          <p:cNvGraphicFramePr>
+            <a:graphicFrameLocks noGrp="1"/>
+          </p:cNvGraphicFramePr>
+          <p:nvPr>
+            <p:extLst/>
+          </p:nvPr>
+        </p:nvGraphicFramePr>
+        <p:xfrm>
+          <a:off x="6712495" y="1160598"/>
+          <a:ext cx="3210452" cy="5281672"/>
+        </p:xfrm>
+        <a:graphic>
+          <a:graphicData uri="http://schemas.openxmlformats.org/drawingml/2006/table">
+            <a:tbl>
+              <a:tblPr firstRow="1" bandRow="1">
+                <a:tableStyleId>{5C22544A-7EE6-4342-B048-85BDC9FD1C3A}</a:tableStyleId>
+              </a:tblPr>
+              <a:tblGrid>
+                <a:gridCol w="3210452">
+                  <a:extLst>
+                    <a:ext uri="{9D8B030D-6E8A-4147-A177-3AD203B41FA5}">
+                      <a16:colId xmlns:a16="http://schemas.microsoft.com/office/drawing/2014/main" xmlns="" val="20000"/>
+                    </a:ext>
+                  </a:extLst>
+                </a:gridCol>
+              </a:tblGrid>
+              <a:tr h="673263">
+                <a:tc>
+                  <a:txBody>
+                    <a:bodyPr/>
+                    <a:lstStyle/>
+                    <a:p>
+                      <a:pPr latinLnBrk="1"/>
+                      <a:r>
+                        <a:rPr lang="en-US" altLang="ko-KR" sz="1400" dirty="0">
+                          <a:solidFill>
+                            <a:srgbClr val="FF0000"/>
+                          </a:solidFill>
+                        </a:rPr>
+                        <a:t>0</a:t>
+                      </a:r>
+                      <a:r>
+                        <a:rPr lang="ko-KR" altLang="en-US" sz="1400" dirty="0">
+                          <a:solidFill>
+                            <a:srgbClr val="FF0000"/>
+                          </a:solidFill>
+                        </a:rPr>
+                        <a:t>번</a:t>
+                      </a:r>
+                      <a:endParaRPr lang="en-US" altLang="ko-KR" sz="1400" dirty="0">
+                        <a:solidFill>
+                          <a:srgbClr val="FF0000"/>
+                        </a:solidFill>
+                      </a:endParaRPr>
+                    </a:p>
+                    <a:p>
+                      <a:pPr latinLnBrk="1"/>
+                      <a:r>
+                        <a:rPr lang="ko-KR" altLang="en-US" sz="1000" b="0" dirty="0">
+                          <a:solidFill>
+                            <a:srgbClr val="FF0000"/>
+                          </a:solidFill>
+                        </a:rPr>
+                        <a:t>회원 정보 항목은 기존 데이터를 기초로 자동으로 채워진다</a:t>
+                      </a:r>
+                      <a:r>
+                        <a:rPr lang="en-US" altLang="ko-KR" sz="1000" b="0" dirty="0">
+                          <a:solidFill>
+                            <a:srgbClr val="FF0000"/>
+                          </a:solidFill>
+                        </a:rPr>
+                        <a:t>.</a:t>
+                      </a:r>
+                    </a:p>
+                  </a:txBody>
+                  <a:tcPr/>
+                </a:tc>
+                <a:extLst>
+                  <a:ext uri="{0D108BD9-81ED-4DB2-BD59-A6C34878D82A}">
+                    <a16:rowId xmlns:a16="http://schemas.microsoft.com/office/drawing/2014/main" xmlns="" val="10000"/>
+                  </a:ext>
+                </a:extLst>
+              </a:tr>
+              <a:tr h="922509">
+                <a:tc>
+                  <a:txBody>
+                    <a:bodyPr/>
+                    <a:lstStyle/>
+                    <a:p>
+                      <a:pPr marL="0" algn="l" defTabSz="914400" rtl="0" eaLnBrk="1" latinLnBrk="1" hangingPunct="1"/>
+                      <a:r>
+                        <a:rPr lang="en-US" altLang="ko-KR" sz="1400" b="1" kern="1200" dirty="0">
+                          <a:solidFill>
+                            <a:srgbClr val="FF0000"/>
+                          </a:solidFill>
+                          <a:latin typeface="+mn-lt"/>
+                          <a:ea typeface="+mn-ea"/>
+                          <a:cs typeface="+mn-cs"/>
+                        </a:rPr>
+                        <a:t>1</a:t>
+                      </a:r>
+                      <a:r>
+                        <a:rPr lang="ko-KR" altLang="en-US" sz="1400" b="1" kern="1200" dirty="0">
+                          <a:solidFill>
+                            <a:srgbClr val="FF0000"/>
+                          </a:solidFill>
+                          <a:latin typeface="+mn-lt"/>
+                          <a:ea typeface="+mn-ea"/>
+                          <a:cs typeface="+mn-cs"/>
+                        </a:rPr>
+                        <a:t>번</a:t>
+                      </a:r>
+                      <a:endParaRPr lang="en-US" altLang="ko-KR" sz="1400" b="1" kern="1200" dirty="0">
+                        <a:solidFill>
+                          <a:srgbClr val="FF0000"/>
+                        </a:solidFill>
+                        <a:latin typeface="+mn-lt"/>
+                        <a:ea typeface="+mn-ea"/>
+                        <a:cs typeface="+mn-cs"/>
+                      </a:endParaRPr>
+                    </a:p>
+                    <a:p>
+                      <a:pPr marL="0" algn="l" defTabSz="914400" rtl="0" eaLnBrk="1" latinLnBrk="1" hangingPunct="1"/>
+                      <a:r>
+                        <a:rPr lang="ko-KR" altLang="en-US" sz="1000" b="1" kern="1200" dirty="0">
+                          <a:solidFill>
+                            <a:srgbClr val="FF0000"/>
+                          </a:solidFill>
+                          <a:latin typeface="+mn-lt"/>
+                          <a:ea typeface="+mn-ea"/>
+                          <a:cs typeface="+mn-cs"/>
+                        </a:rPr>
+                        <a:t>우편번호 버튼을 클릭하면 우편번호 검색 팝업창이 뜨며 검색 후 선택하면 우편번호 주소 칸이 채워진다</a:t>
+                      </a:r>
+                      <a:r>
+                        <a:rPr lang="en-US" altLang="ko-KR" sz="1000" b="1" kern="1200" dirty="0">
+                          <a:solidFill>
+                            <a:srgbClr val="FF0000"/>
+                          </a:solidFill>
+                          <a:latin typeface="+mn-lt"/>
+                          <a:ea typeface="+mn-ea"/>
+                          <a:cs typeface="+mn-cs"/>
+                        </a:rPr>
+                        <a:t>.</a:t>
+                      </a:r>
+                      <a:endParaRPr lang="ko-KR" altLang="en-US" sz="1000" b="1" kern="1200" dirty="0">
+                        <a:solidFill>
+                          <a:srgbClr val="FF0000"/>
+                        </a:solidFill>
+                        <a:latin typeface="+mn-lt"/>
+                        <a:ea typeface="+mn-ea"/>
+                        <a:cs typeface="+mn-cs"/>
+                      </a:endParaRPr>
+                    </a:p>
+                  </a:txBody>
+                  <a:tcPr/>
+                </a:tc>
+                <a:extLst>
+                  <a:ext uri="{0D108BD9-81ED-4DB2-BD59-A6C34878D82A}">
+                    <a16:rowId xmlns:a16="http://schemas.microsoft.com/office/drawing/2014/main" xmlns="" val="10001"/>
+                  </a:ext>
+                </a:extLst>
+              </a:tr>
+              <a:tr h="1660553">
+                <a:tc>
+                  <a:txBody>
+                    <a:bodyPr/>
+                    <a:lstStyle/>
+                    <a:p>
+                      <a:pPr marL="0" marR="0" indent="0" algn="l" defTabSz="914400" rtl="0" eaLnBrk="1" fontAlgn="auto" latinLnBrk="1" hangingPunct="1">
+                        <a:lnSpc>
+                          <a:spcPct val="100000"/>
+                        </a:lnSpc>
+                        <a:spcBef>
+                          <a:spcPts val="0"/>
+                        </a:spcBef>
+                        <a:spcAft>
+                          <a:spcPts val="0"/>
+                        </a:spcAft>
+                        <a:buClrTx/>
+                        <a:buSzTx/>
+                        <a:buFontTx/>
+                        <a:buNone/>
+                        <a:tabLst/>
+                        <a:defRPr/>
+                      </a:pPr>
+                      <a:r>
+                        <a:rPr lang="en-US" altLang="ko-KR" sz="1400" b="1" kern="1200" dirty="0">
+                          <a:solidFill>
+                            <a:srgbClr val="FF0000"/>
+                          </a:solidFill>
+                          <a:latin typeface="+mn-lt"/>
+                          <a:ea typeface="+mn-ea"/>
+                          <a:cs typeface="+mn-cs"/>
+                        </a:rPr>
+                        <a:t>2</a:t>
+                      </a:r>
+                      <a:r>
+                        <a:rPr lang="ko-KR" altLang="en-US" sz="1400" b="1" kern="1200" dirty="0">
+                          <a:solidFill>
+                            <a:srgbClr val="FF0000"/>
+                          </a:solidFill>
+                          <a:latin typeface="+mn-lt"/>
+                          <a:ea typeface="+mn-ea"/>
+                          <a:cs typeface="+mn-cs"/>
+                        </a:rPr>
+                        <a:t>번</a:t>
+                      </a:r>
+                      <a:endParaRPr lang="en-US" altLang="ko-KR" sz="1400" b="1" kern="1200" dirty="0">
+                        <a:solidFill>
+                          <a:srgbClr val="FF0000"/>
+                        </a:solidFill>
+                        <a:latin typeface="+mn-lt"/>
+                        <a:ea typeface="+mn-ea"/>
+                        <a:cs typeface="+mn-cs"/>
+                      </a:endParaRPr>
+                    </a:p>
+                    <a:p>
+                      <a:pPr marL="0" algn="l" defTabSz="914400" rtl="0" eaLnBrk="1" latinLnBrk="1" hangingPunct="1"/>
+                      <a:r>
+                        <a:rPr lang="ko-KR" altLang="en-US" sz="1000" b="1" kern="1200" dirty="0">
+                          <a:solidFill>
+                            <a:srgbClr val="FF0000"/>
+                          </a:solidFill>
+                          <a:latin typeface="+mn-lt"/>
+                          <a:ea typeface="+mn-ea"/>
+                          <a:cs typeface="+mn-cs"/>
+                        </a:rPr>
+                        <a:t>저장버튼을 클릭하면 입력한 값 대로 회원정보가 </a:t>
+                      </a:r>
+                      <a:r>
+                        <a:rPr lang="en-US" altLang="ko-KR" sz="1000" b="1" kern="1200" dirty="0">
+                          <a:solidFill>
+                            <a:srgbClr val="FF0000"/>
+                          </a:solidFill>
+                          <a:latin typeface="+mn-lt"/>
+                          <a:ea typeface="+mn-ea"/>
+                          <a:cs typeface="+mn-cs"/>
+                        </a:rPr>
+                        <a:t>update</a:t>
+                      </a:r>
+                      <a:r>
+                        <a:rPr lang="ko-KR" altLang="en-US" sz="1000" b="1" kern="1200" dirty="0">
+                          <a:solidFill>
+                            <a:srgbClr val="FF0000"/>
+                          </a:solidFill>
+                          <a:latin typeface="+mn-lt"/>
+                          <a:ea typeface="+mn-ea"/>
+                          <a:cs typeface="+mn-cs"/>
+                        </a:rPr>
+                        <a:t>된다</a:t>
+                      </a:r>
+                      <a:r>
+                        <a:rPr lang="en-US" altLang="ko-KR" sz="1000" b="1" kern="1200" dirty="0">
+                          <a:solidFill>
+                            <a:srgbClr val="FF0000"/>
+                          </a:solidFill>
+                          <a:latin typeface="+mn-lt"/>
+                          <a:ea typeface="+mn-ea"/>
+                          <a:cs typeface="+mn-cs"/>
+                        </a:rPr>
+                        <a:t>.</a:t>
+                      </a:r>
+                    </a:p>
+                    <a:p>
+                      <a:pPr marL="171450" indent="-171450" algn="l" defTabSz="914400" rtl="0" eaLnBrk="1" latinLnBrk="1" hangingPunct="1">
+                        <a:buFontTx/>
+                        <a:buChar char="-"/>
+                      </a:pPr>
+                      <a:r>
+                        <a:rPr lang="ko-KR" altLang="en-US" sz="1000" b="1" kern="1200" dirty="0">
+                          <a:solidFill>
+                            <a:srgbClr val="FF0000"/>
+                          </a:solidFill>
+                          <a:latin typeface="+mn-lt"/>
+                          <a:ea typeface="+mn-ea"/>
+                          <a:cs typeface="+mn-cs"/>
+                        </a:rPr>
+                        <a:t>소속기관 정보 부분이 공란이면 회사정보는 등록되지 않고 입력한 경우에만 회사정보가 등록되며 연동된다</a:t>
+                      </a:r>
+                      <a:r>
+                        <a:rPr lang="en-US" altLang="ko-KR" sz="1000" b="1" kern="1200" dirty="0">
+                          <a:solidFill>
+                            <a:srgbClr val="FF0000"/>
+                          </a:solidFill>
+                          <a:latin typeface="+mn-lt"/>
+                          <a:ea typeface="+mn-ea"/>
+                          <a:cs typeface="+mn-cs"/>
+                        </a:rPr>
+                        <a:t>.</a:t>
+                      </a:r>
+                    </a:p>
+                    <a:p>
+                      <a:pPr marL="171450" indent="-171450" algn="l" defTabSz="914400" rtl="0" eaLnBrk="1" latinLnBrk="1" hangingPunct="1">
+                        <a:buFontTx/>
+                        <a:buChar char="-"/>
+                      </a:pPr>
+                      <a:r>
+                        <a:rPr lang="ko-KR" altLang="en-US" sz="1000" b="1" kern="1200" dirty="0">
+                          <a:solidFill>
+                            <a:srgbClr val="FF0000"/>
+                          </a:solidFill>
+                          <a:latin typeface="+mn-lt"/>
+                          <a:ea typeface="+mn-ea"/>
+                          <a:cs typeface="+mn-cs"/>
+                        </a:rPr>
+                        <a:t>회원 정보 칸에 </a:t>
+                      </a:r>
+                      <a:r>
+                        <a:rPr lang="en-US" altLang="ko-KR" sz="1000" b="1" kern="1200" dirty="0">
+                          <a:solidFill>
+                            <a:srgbClr val="FF0000"/>
+                          </a:solidFill>
+                          <a:latin typeface="+mn-lt"/>
+                          <a:ea typeface="+mn-ea"/>
+                          <a:cs typeface="+mn-cs"/>
+                        </a:rPr>
+                        <a:t>v</a:t>
+                      </a:r>
+                      <a:r>
+                        <a:rPr lang="ko-KR" altLang="en-US" sz="1000" b="1" kern="1200" dirty="0">
+                          <a:solidFill>
+                            <a:srgbClr val="FF0000"/>
+                          </a:solidFill>
+                          <a:latin typeface="+mn-lt"/>
+                          <a:ea typeface="+mn-ea"/>
+                          <a:cs typeface="+mn-cs"/>
+                        </a:rPr>
+                        <a:t>자 표시는 필수 입력사항으로 빈칸인 채 저장 클릭 시에는 </a:t>
+                      </a:r>
+                      <a:r>
+                        <a:rPr lang="en-US" altLang="ko-KR" sz="1000" b="1" kern="1200" dirty="0">
+                          <a:solidFill>
+                            <a:srgbClr val="FF0000"/>
+                          </a:solidFill>
+                          <a:latin typeface="+mn-lt"/>
+                          <a:ea typeface="+mn-ea"/>
+                          <a:cs typeface="+mn-cs"/>
+                        </a:rPr>
+                        <a:t>alert </a:t>
+                      </a:r>
+                      <a:r>
+                        <a:rPr lang="ko-KR" altLang="en-US" sz="1000" b="1" kern="1200" dirty="0">
+                          <a:solidFill>
+                            <a:srgbClr val="FF0000"/>
+                          </a:solidFill>
+                          <a:latin typeface="+mn-lt"/>
+                          <a:ea typeface="+mn-ea"/>
+                          <a:cs typeface="+mn-cs"/>
+                        </a:rPr>
+                        <a:t>창이 뜬다</a:t>
+                      </a:r>
+                      <a:r>
+                        <a:rPr lang="en-US" altLang="ko-KR" sz="1000" b="1" kern="1200" dirty="0">
+                          <a:solidFill>
+                            <a:srgbClr val="FF0000"/>
+                          </a:solidFill>
+                          <a:latin typeface="+mn-lt"/>
+                          <a:ea typeface="+mn-ea"/>
+                          <a:cs typeface="+mn-cs"/>
+                        </a:rPr>
+                        <a:t>.</a:t>
+                      </a:r>
+                    </a:p>
+                    <a:p>
+                      <a:pPr marL="171450" indent="-171450" algn="l" defTabSz="914400" rtl="0" eaLnBrk="1" latinLnBrk="1" hangingPunct="1">
+                        <a:buFontTx/>
+                        <a:buChar char="-"/>
+                      </a:pPr>
+                      <a:r>
+                        <a:rPr lang="ko-KR" altLang="en-US" sz="1000" b="1" kern="1200" dirty="0">
+                          <a:solidFill>
+                            <a:srgbClr val="FF0000"/>
+                          </a:solidFill>
+                          <a:latin typeface="+mn-lt"/>
+                          <a:ea typeface="+mn-ea"/>
+                          <a:cs typeface="+mn-cs"/>
+                        </a:rPr>
+                        <a:t>전화번호와 휴대전화 우편번호는 숫자 외의 다른 글자를 입력하고 저장 클릭 시 </a:t>
+                      </a:r>
+                      <a:r>
+                        <a:rPr lang="en-US" altLang="ko-KR" sz="1000" b="1" kern="1200" dirty="0">
+                          <a:solidFill>
+                            <a:srgbClr val="FF0000"/>
+                          </a:solidFill>
+                          <a:latin typeface="+mn-lt"/>
+                          <a:ea typeface="+mn-ea"/>
+                          <a:cs typeface="+mn-cs"/>
+                        </a:rPr>
+                        <a:t>alert </a:t>
+                      </a:r>
+                      <a:r>
+                        <a:rPr lang="ko-KR" altLang="en-US" sz="1000" b="1" kern="1200" dirty="0">
+                          <a:solidFill>
+                            <a:srgbClr val="FF0000"/>
+                          </a:solidFill>
+                          <a:latin typeface="+mn-lt"/>
+                          <a:ea typeface="+mn-ea"/>
+                          <a:cs typeface="+mn-cs"/>
+                        </a:rPr>
+                        <a:t>창이 뜬다</a:t>
+                      </a:r>
+                      <a:r>
+                        <a:rPr lang="en-US" altLang="ko-KR" sz="1000" b="1" kern="1200" dirty="0">
+                          <a:solidFill>
+                            <a:srgbClr val="FF0000"/>
+                          </a:solidFill>
+                          <a:latin typeface="+mn-lt"/>
+                          <a:ea typeface="+mn-ea"/>
+                          <a:cs typeface="+mn-cs"/>
+                        </a:rPr>
+                        <a:t>.</a:t>
+                      </a:r>
+                      <a:endParaRPr lang="ko-KR" altLang="en-US" sz="1000" b="1" kern="1200" dirty="0">
+                        <a:solidFill>
+                          <a:srgbClr val="FF0000"/>
+                        </a:solidFill>
+                        <a:latin typeface="+mn-lt"/>
+                        <a:ea typeface="+mn-ea"/>
+                        <a:cs typeface="+mn-cs"/>
+                      </a:endParaRPr>
+                    </a:p>
+                  </a:txBody>
+                  <a:tcPr/>
+                </a:tc>
+                <a:extLst>
+                  <a:ext uri="{0D108BD9-81ED-4DB2-BD59-A6C34878D82A}">
+                    <a16:rowId xmlns:a16="http://schemas.microsoft.com/office/drawing/2014/main" xmlns="" val="10002"/>
+                  </a:ext>
+                </a:extLst>
+              </a:tr>
+              <a:tr h="559834">
+                <a:tc>
+                  <a:txBody>
+                    <a:bodyPr/>
+                    <a:lstStyle/>
+                    <a:p>
+                      <a:pPr marL="0" marR="0" indent="0" algn="l" defTabSz="914400" rtl="0" eaLnBrk="1" fontAlgn="auto" latinLnBrk="1" hangingPunct="1">
+                        <a:lnSpc>
+                          <a:spcPct val="100000"/>
+                        </a:lnSpc>
+                        <a:spcBef>
+                          <a:spcPts val="0"/>
+                        </a:spcBef>
+                        <a:spcAft>
+                          <a:spcPts val="0"/>
+                        </a:spcAft>
+                        <a:buClrTx/>
+                        <a:buSzTx/>
+                        <a:buFontTx/>
+                        <a:buNone/>
+                        <a:tabLst/>
+                        <a:defRPr/>
+                      </a:pPr>
+                      <a:r>
+                        <a:rPr lang="en-US" altLang="ko-KR" sz="1400" b="1" kern="1200" dirty="0">
+                          <a:solidFill>
+                            <a:srgbClr val="FF0000"/>
+                          </a:solidFill>
+                          <a:latin typeface="+mn-lt"/>
+                          <a:ea typeface="+mn-ea"/>
+                          <a:cs typeface="+mn-cs"/>
+                        </a:rPr>
+                        <a:t>3</a:t>
+                      </a:r>
+                      <a:r>
+                        <a:rPr lang="ko-KR" altLang="en-US" sz="1400" b="1" kern="1200" dirty="0">
+                          <a:solidFill>
+                            <a:srgbClr val="FF0000"/>
+                          </a:solidFill>
+                          <a:latin typeface="+mn-lt"/>
+                          <a:ea typeface="+mn-ea"/>
+                          <a:cs typeface="+mn-cs"/>
+                        </a:rPr>
+                        <a:t>번</a:t>
+                      </a:r>
+                      <a:endParaRPr lang="en-US" altLang="ko-KR" sz="1400" b="1" kern="1200" dirty="0">
+                        <a:solidFill>
+                          <a:srgbClr val="FF0000"/>
+                        </a:solidFill>
+                        <a:latin typeface="+mn-lt"/>
+                        <a:ea typeface="+mn-ea"/>
+                        <a:cs typeface="+mn-cs"/>
+                      </a:endParaRPr>
+                    </a:p>
+                    <a:p>
+                      <a:pPr marL="0" algn="l" defTabSz="914400" rtl="0" eaLnBrk="1" latinLnBrk="1" hangingPunct="1"/>
+                      <a:r>
+                        <a:rPr lang="ko-KR" altLang="en-US" sz="1000" b="1" kern="1200" dirty="0">
+                          <a:solidFill>
+                            <a:srgbClr val="FF0000"/>
+                          </a:solidFill>
+                          <a:latin typeface="+mn-lt"/>
+                          <a:ea typeface="+mn-ea"/>
+                          <a:cs typeface="+mn-cs"/>
+                        </a:rPr>
+                        <a:t>취소버튼 클릭 시에는 메인 화면으로 전환된다</a:t>
+                      </a:r>
+                      <a:r>
+                        <a:rPr lang="en-US" altLang="ko-KR" sz="1000" b="1" kern="1200" dirty="0">
+                          <a:solidFill>
+                            <a:srgbClr val="FF0000"/>
+                          </a:solidFill>
+                          <a:latin typeface="+mn-lt"/>
+                          <a:ea typeface="+mn-ea"/>
+                          <a:cs typeface="+mn-cs"/>
+                        </a:rPr>
+                        <a:t>.</a:t>
+                      </a:r>
+                    </a:p>
+                  </a:txBody>
+                  <a:tcPr/>
+                </a:tc>
+                <a:extLst>
+                  <a:ext uri="{0D108BD9-81ED-4DB2-BD59-A6C34878D82A}">
+                    <a16:rowId xmlns:a16="http://schemas.microsoft.com/office/drawing/2014/main" xmlns="" val="10003"/>
+                  </a:ext>
+                </a:extLst>
+              </a:tr>
+              <a:tr h="670384">
+                <a:tc>
+                  <a:txBody>
+                    <a:bodyPr/>
+                    <a:lstStyle/>
+                    <a:p>
+                      <a:pPr marL="0" marR="0" indent="0" algn="l" defTabSz="914400" rtl="0" eaLnBrk="1" fontAlgn="auto" latinLnBrk="1" hangingPunct="1">
+                        <a:lnSpc>
+                          <a:spcPct val="100000"/>
+                        </a:lnSpc>
+                        <a:spcBef>
+                          <a:spcPts val="0"/>
+                        </a:spcBef>
+                        <a:spcAft>
+                          <a:spcPts val="0"/>
+                        </a:spcAft>
+                        <a:buClrTx/>
+                        <a:buSzTx/>
+                        <a:buFontTx/>
+                        <a:buNone/>
+                        <a:tabLst/>
+                        <a:defRPr/>
+                      </a:pPr>
+                      <a:r>
+                        <a:rPr lang="en-US" altLang="ko-KR" sz="1400" b="1" kern="1200" dirty="0">
+                          <a:solidFill>
+                            <a:srgbClr val="FF0000"/>
+                          </a:solidFill>
+                          <a:latin typeface="+mn-lt"/>
+                          <a:ea typeface="+mn-ea"/>
+                          <a:cs typeface="+mn-cs"/>
+                        </a:rPr>
+                        <a:t>4</a:t>
+                      </a:r>
+                      <a:r>
+                        <a:rPr lang="ko-KR" altLang="en-US" sz="1400" b="1" kern="1200" dirty="0">
+                          <a:solidFill>
+                            <a:srgbClr val="FF0000"/>
+                          </a:solidFill>
+                          <a:latin typeface="+mn-lt"/>
+                          <a:ea typeface="+mn-ea"/>
+                          <a:cs typeface="+mn-cs"/>
+                        </a:rPr>
+                        <a:t>번</a:t>
+                      </a:r>
+                      <a:endParaRPr lang="en-US" altLang="ko-KR" sz="1400" b="1" kern="1200" dirty="0">
+                        <a:solidFill>
+                          <a:srgbClr val="FF0000"/>
+                        </a:solidFill>
+                        <a:latin typeface="+mn-lt"/>
+                        <a:ea typeface="+mn-ea"/>
+                        <a:cs typeface="+mn-cs"/>
+                      </a:endParaRPr>
+                    </a:p>
+                    <a:p>
+                      <a:pPr marL="0" algn="l" defTabSz="914400" rtl="0" eaLnBrk="1" latinLnBrk="1" hangingPunct="1"/>
+                      <a:r>
+                        <a:rPr lang="ko-KR" altLang="en-US" sz="1000" b="1" kern="1200" dirty="0">
+                          <a:solidFill>
+                            <a:srgbClr val="FF0000"/>
+                          </a:solidFill>
+                          <a:latin typeface="+mn-lt"/>
+                          <a:ea typeface="+mn-ea"/>
+                          <a:cs typeface="+mn-cs"/>
+                        </a:rPr>
+                        <a:t>선택 박스에서 선택을 하면 옆에 있는 </a:t>
+                      </a:r>
+                      <a:r>
+                        <a:rPr lang="en-US" altLang="ko-KR" sz="1000" b="1" kern="1200" dirty="0">
+                          <a:solidFill>
+                            <a:srgbClr val="FF0000"/>
+                          </a:solidFill>
+                          <a:latin typeface="+mn-lt"/>
+                          <a:ea typeface="+mn-ea"/>
+                          <a:cs typeface="+mn-cs"/>
+                        </a:rPr>
+                        <a:t>input </a:t>
+                      </a:r>
+                      <a:r>
+                        <a:rPr lang="ko-KR" altLang="en-US" sz="1000" b="1" kern="1200" dirty="0">
+                          <a:solidFill>
+                            <a:srgbClr val="FF0000"/>
+                          </a:solidFill>
+                          <a:latin typeface="+mn-lt"/>
+                          <a:ea typeface="+mn-ea"/>
+                          <a:cs typeface="+mn-cs"/>
+                        </a:rPr>
+                        <a:t>칸에 연동된다</a:t>
+                      </a:r>
+                      <a:r>
+                        <a:rPr lang="en-US" altLang="ko-KR" sz="1000" b="1" kern="1200" dirty="0">
+                          <a:solidFill>
+                            <a:srgbClr val="FF0000"/>
+                          </a:solidFill>
+                          <a:latin typeface="+mn-lt"/>
+                          <a:ea typeface="+mn-ea"/>
+                          <a:cs typeface="+mn-cs"/>
+                        </a:rPr>
+                        <a:t>.</a:t>
+                      </a:r>
+                      <a:endParaRPr lang="ko-KR" altLang="en-US" sz="1000" b="1" kern="1200" dirty="0">
+                        <a:solidFill>
+                          <a:srgbClr val="FF0000"/>
+                        </a:solidFill>
+                        <a:latin typeface="+mn-lt"/>
+                        <a:ea typeface="+mn-ea"/>
+                        <a:cs typeface="+mn-cs"/>
+                      </a:endParaRPr>
+                    </a:p>
+                  </a:txBody>
+                  <a:tcPr/>
+                </a:tc>
+                <a:extLst>
+                  <a:ext uri="{0D108BD9-81ED-4DB2-BD59-A6C34878D82A}">
+                    <a16:rowId xmlns:a16="http://schemas.microsoft.com/office/drawing/2014/main" xmlns="" val="10004"/>
+                  </a:ext>
+                </a:extLst>
+              </a:tr>
+              <a:tr h="779282">
+                <a:tc>
+                  <a:txBody>
+                    <a:bodyPr/>
+                    <a:lstStyle/>
+                    <a:p>
+                      <a:pPr marL="0" algn="l" defTabSz="914400" rtl="0" eaLnBrk="1" latinLnBrk="1" hangingPunct="1"/>
+                      <a:endParaRPr lang="ko-KR" altLang="en-US" sz="1400" b="1" kern="1200" dirty="0">
+                        <a:solidFill>
+                          <a:srgbClr val="FF0000"/>
+                        </a:solidFill>
+                        <a:latin typeface="+mn-lt"/>
+                        <a:ea typeface="+mn-ea"/>
+                        <a:cs typeface="+mn-cs"/>
+                      </a:endParaRPr>
+                    </a:p>
+                  </a:txBody>
+                  <a:tcPr/>
+                </a:tc>
+                <a:extLst>
+                  <a:ext uri="{0D108BD9-81ED-4DB2-BD59-A6C34878D82A}">
+                    <a16:rowId xmlns:a16="http://schemas.microsoft.com/office/drawing/2014/main" xmlns="" val="10005"/>
+                  </a:ext>
+                </a:extLst>
+              </a:tr>
+            </a:tbl>
+          </a:graphicData>
+        </a:graphic>
+      </p:graphicFrame>
+      <p:sp>
+        <p:nvSpPr>
+          <p:cNvPr id="35" name="타원 34"/>
+          <p:cNvSpPr/>
+          <p:nvPr/>
+        </p:nvSpPr>
+        <p:spPr bwMode="auto">
+          <a:xfrm>
+            <a:off x="705322" y="3140968"/>
+            <a:ext cx="144000" cy="144000"/>
+          </a:xfrm>
+          <a:prstGeom prst="ellipse">
+            <a:avLst/>
+          </a:prstGeom>
+          <a:solidFill>
+            <a:srgbClr val="FF0000"/>
+          </a:solidFill>
+          <a:ln w="3175" cap="flat" cmpd="sng" algn="ctr">
+            <a:solidFill>
+              <a:srgbClr val="FF0000"/>
+            </a:solidFill>
+            <a:prstDash val="solid"/>
+            <a:round/>
+            <a:headEnd type="none" w="med" len="med"/>
+            <a:tailEnd type="none" w="med" len="med"/>
+          </a:ln>
+          <a:effectLst/>
+        </p:spPr>
+        <p:txBody>
+          <a:bodyPr vert="horz" wrap="none" lIns="91440" tIns="45720" rIns="91440" bIns="45720" numCol="1" rtlCol="0" anchor="ctr" anchorCtr="0" compatLnSpc="1">
+            <a:prstTxWarp prst="textNoShape">
+              <a:avLst/>
+            </a:prstTxWarp>
+          </a:bodyPr>
+          <a:lstStyle/>
+          <a:p>
+            <a:pPr marL="0" marR="0" lvl="0" indent="0" algn="ctr" defTabSz="914400" rtl="0" eaLnBrk="1" fontAlgn="base" latinLnBrk="1" hangingPunct="1">
+              <a:lnSpc>
+                <a:spcPct val="100000"/>
+              </a:lnSpc>
+              <a:spcBef>
+                <a:spcPct val="0"/>
+              </a:spcBef>
+              <a:spcAft>
+                <a:spcPct val="0"/>
+              </a:spcAft>
+              <a:buClrTx/>
+              <a:buSzTx/>
+              <a:buFontTx/>
+              <a:buNone/>
+              <a:tabLst/>
+              <a:defRPr/>
+            </a:pPr>
+            <a:r>
+              <a:rPr kumimoji="1" lang="en-US" altLang="ko-KR" sz="900" b="1" dirty="0">
+                <a:solidFill>
+                  <a:prstClr val="white"/>
+                </a:solidFill>
+                <a:latin typeface="맑은 고딕" pitchFamily="50" charset="-127"/>
+                <a:ea typeface="맑은 고딕" pitchFamily="50" charset="-127"/>
+              </a:rPr>
+              <a:t>1</a:t>
+            </a:r>
+            <a:endParaRPr kumimoji="1" lang="ko-KR" altLang="en-US" sz="900" b="1" i="0" u="none" strike="noStrike" kern="1200" cap="none" spc="0" normalizeH="0" baseline="0" noProof="0" dirty="0">
+              <a:ln>
+                <a:noFill/>
+              </a:ln>
+              <a:solidFill>
+                <a:prstClr val="white"/>
+              </a:solidFill>
+              <a:effectLst/>
+              <a:uLnTx/>
+              <a:uFillTx/>
+              <a:latin typeface="맑은 고딕" pitchFamily="50" charset="-127"/>
+              <a:ea typeface="맑은 고딕" pitchFamily="50" charset="-127"/>
+              <a:cs typeface="+mn-cs"/>
+            </a:endParaRPr>
+          </a:p>
+        </p:txBody>
+      </p:sp>
+    </p:spTree>
+    <p:extLst>
+      <p:ext uri="{BB962C8B-B14F-4D97-AF65-F5344CB8AC3E}">
+        <p14:creationId xmlns:p14="http://schemas.microsoft.com/office/powerpoint/2010/main" val="309927617"/>
       </p:ext>
     </p:extLst>
   </p:cSld>
@@ -29550,7 +29279,7 @@
           <p:nvPr>
             <p:extLst>
               <p:ext uri="{D42A27DB-BD31-4B8C-83A1-F6EECF244321}">
-                <p14:modId xmlns:p14="http://schemas.microsoft.com/office/powerpoint/2010/main" val="1914831378"/>
+                <p14:modId xmlns:p14="http://schemas.microsoft.com/office/powerpoint/2010/main" val="760881527"/>
               </p:ext>
             </p:extLst>
           </p:nvPr>
@@ -30747,7 +30476,7 @@
                           <a:latin typeface="맑은 고딕" pitchFamily="50" charset="-127"/>
                           <a:ea typeface="+mn-ea"/>
                         </a:rPr>
-                        <a:t>고객지원</a:t>
+                        <a:t>고객지원 게시판</a:t>
                       </a:r>
                       <a:endParaRPr kumimoji="0" lang="ko-KR" altLang="en-US" sz="1200" b="0" i="0" u="none" strike="noStrike" cap="none" normalizeH="0" baseline="0" dirty="0" smtClean="0">
                         <a:ln>
@@ -31524,7 +31253,7 @@
                           <a:latin typeface="맑은 고딕" pitchFamily="50" charset="-127"/>
                           <a:ea typeface="맑은 고딕" pitchFamily="50" charset="-127"/>
                         </a:rPr>
-                        <a:t>교육</a:t>
+                        <a:t>교육 게시판</a:t>
                       </a:r>
                       <a:endParaRPr kumimoji="0" lang="ko-KR" altLang="en-US" sz="1200" b="0" i="0" u="none" strike="noStrike" cap="none" normalizeH="0" baseline="0" dirty="0" smtClean="0">
                         <a:ln>
@@ -31928,7 +31657,7 @@
                           <a:latin typeface="맑은 고딕" pitchFamily="50" charset="-127"/>
                           <a:ea typeface="맑은 고딕" pitchFamily="50" charset="-127"/>
                         </a:rPr>
-                        <a:t>입사지원</a:t>
+                        <a:t>입사지원 게시판</a:t>
                       </a:r>
                       <a:endParaRPr kumimoji="0" lang="ko-KR" altLang="en-US" sz="1200" b="0" i="0" u="none" strike="noStrike" cap="none" normalizeH="0" baseline="0" dirty="0" smtClean="0">
                         <a:ln>
@@ -32145,31 +31874,43 @@
       </p:sp>
       <p:pic>
         <p:nvPicPr>
-          <p:cNvPr id="3" name="내용 개체 틀 2"/>
+          <p:cNvPr id="12290" name="Picture 2" descr="C:\Users\Administrator\Desktop\javapj\pj\erd.png"/>
           <p:cNvPicPr>
-            <a:picLocks noGrp="1" noChangeAspect="1"/>
+            <a:picLocks noChangeAspect="1" noChangeArrowheads="1"/>
           </p:cNvPicPr>
-          <p:nvPr>
-            <p:ph sz="half" idx="1"/>
-          </p:nvPr>
+          <p:nvPr/>
         </p:nvPicPr>
         <p:blipFill>
-          <a:blip r:embed="rId3" cstate="print">
+          <a:blip r:embed="rId3">
             <a:extLst>
               <a:ext uri="{28A0092B-C50C-407E-A947-70E740481C1C}">
                 <a14:useLocalDpi xmlns:a14="http://schemas.microsoft.com/office/drawing/2010/main" val="0"/>
               </a:ext>
             </a:extLst>
           </a:blip>
+          <a:srcRect/>
           <a:stretch>
             <a:fillRect/>
           </a:stretch>
         </p:blipFill>
-        <p:spPr>
+        <p:spPr bwMode="auto">
           <a:xfrm>
-            <a:off x="57250" y="1124745"/>
-            <a:ext cx="9923808" cy="4994241"/>
+            <a:off x="417290" y="980728"/>
+            <a:ext cx="8854251" cy="5229200"/>
           </a:xfrm>
+          <a:prstGeom prst="rect">
+            <a:avLst/>
+          </a:prstGeom>
+          <a:noFill/>
+          <a:extLst>
+            <a:ext uri="{909E8E84-426E-40DD-AFC4-6F175D3DCCD1}">
+              <a14:hiddenFill xmlns:a14="http://schemas.microsoft.com/office/drawing/2010/main">
+                <a:solidFill>
+                  <a:srgbClr val="FFFFFF"/>
+                </a:solidFill>
+              </a14:hiddenFill>
+            </a:ext>
+          </a:extLst>
         </p:spPr>
       </p:pic>
     </p:spTree>

--- a/웹1팀_프로젝트_화면설계서.pptx
+++ b/웹1팀_프로젝트_화면설계서.pptx
@@ -23036,8 +23036,8 @@
         </p:nvSpPr>
         <p:spPr bwMode="auto">
           <a:xfrm>
-            <a:off x="6023170" y="2957649"/>
-            <a:ext cx="1227600" cy="940900"/>
+            <a:off x="6023170" y="3188481"/>
+            <a:ext cx="1227600" cy="479235"/>
           </a:xfrm>
           <a:prstGeom prst="rect">
             <a:avLst/>
@@ -23221,64 +23221,10 @@
               <a:buChar char="-"/>
             </a:pPr>
             <a:r>
-              <a:rPr lang="ko-KR" altLang="en-US" sz="1000" b="1" dirty="0" smtClean="0">
-                <a:latin typeface="돋움" panose="020B0600000101010101" pitchFamily="50" charset="-127"/>
-              </a:rPr>
-              <a:t> 페이지로만</a:t>
-            </a:r>
-            <a:r>
-              <a:rPr lang="en-US" altLang="ko-KR" sz="1000" b="1" dirty="0">
-                <a:latin typeface="돋움" panose="020B0600000101010101" pitchFamily="50" charset="-127"/>
-              </a:rPr>
-              <a:t>.</a:t>
-            </a:r>
-            <a:r>
-              <a:rPr lang="ko-KR" altLang="en-US" sz="1000" b="1" dirty="0">
-                <a:latin typeface="돋움" panose="020B0600000101010101" pitchFamily="50" charset="-127"/>
-              </a:rPr>
-              <a:t> </a:t>
-            </a:r>
-            <a:endParaRPr lang="en-US" altLang="ko-KR" sz="1000" b="1" dirty="0">
-              <a:latin typeface="돋움" panose="020B0600000101010101" pitchFamily="50" charset="-127"/>
-            </a:endParaRPr>
-          </a:p>
-          <a:p>
-            <a:pPr eaLnBrk="1" hangingPunct="1">
-              <a:spcBef>
-                <a:spcPct val="50000"/>
-              </a:spcBef>
-              <a:buFontTx/>
-              <a:buChar char="-"/>
-            </a:pPr>
-            <a:r>
-              <a:rPr lang="ko-KR" altLang="en-US" sz="1000" b="1" dirty="0" smtClean="0">
-                <a:latin typeface="돋움" panose="020B0600000101010101" pitchFamily="50" charset="-127"/>
-              </a:rPr>
-              <a:t> 파일 업로드</a:t>
-            </a:r>
-            <a:endParaRPr lang="en-US" altLang="ko-KR" sz="1000" b="1" dirty="0" smtClean="0">
-              <a:latin typeface="돋움" panose="020B0600000101010101" pitchFamily="50" charset="-127"/>
-            </a:endParaRPr>
-          </a:p>
-          <a:p>
-            <a:pPr eaLnBrk="1" hangingPunct="1">
-              <a:spcBef>
-                <a:spcPct val="50000"/>
-              </a:spcBef>
-              <a:buFontTx/>
-              <a:buChar char="-"/>
-            </a:pPr>
-            <a:r>
-              <a:rPr lang="ko-KR" altLang="en-US" sz="1000" b="1" dirty="0" smtClean="0">
-                <a:latin typeface="돋움" panose="020B0600000101010101" pitchFamily="50" charset="-127"/>
-              </a:rPr>
-              <a:t>  </a:t>
-            </a:r>
-            <a:r>
               <a:rPr lang="en-US" altLang="ko-KR" sz="1000" b="1" dirty="0" smtClean="0">
                 <a:latin typeface="돋움" panose="020B0600000101010101" pitchFamily="50" charset="-127"/>
               </a:rPr>
-              <a:t>html</a:t>
+              <a:t> html</a:t>
             </a:r>
             <a:r>
               <a:rPr lang="ko-KR" altLang="en-US" sz="1000" b="1" dirty="0" smtClean="0">
@@ -23744,8 +23690,8 @@
         </p:nvSpPr>
         <p:spPr bwMode="auto">
           <a:xfrm>
-            <a:off x="4494776" y="2957650"/>
-            <a:ext cx="1227600" cy="940900"/>
+            <a:off x="4494776" y="3073066"/>
+            <a:ext cx="1227600" cy="710067"/>
           </a:xfrm>
           <a:prstGeom prst="rect">
             <a:avLst/>
@@ -23944,38 +23890,17 @@
               <a:rPr lang="ko-KR" altLang="en-US" sz="1000" b="1" dirty="0">
                 <a:latin typeface="돋움" panose="020B0600000101010101" pitchFamily="50" charset="-127"/>
               </a:rPr>
-              <a:t>페이지로만</a:t>
+              <a:t>파일 </a:t>
+            </a:r>
+            <a:r>
+              <a:rPr lang="ko-KR" altLang="en-US" sz="1000" b="1" dirty="0" smtClean="0">
+                <a:latin typeface="돋움" panose="020B0600000101010101" pitchFamily="50" charset="-127"/>
+              </a:rPr>
+              <a:t>업로드</a:t>
             </a:r>
             <a:endParaRPr lang="en-US" altLang="ko-KR" sz="1000" b="1" dirty="0">
               <a:latin typeface="돋움" panose="020B0600000101010101" pitchFamily="50" charset="-127"/>
             </a:endParaRPr>
-          </a:p>
-          <a:p>
-            <a:pPr eaLnBrk="1" hangingPunct="1">
-              <a:spcBef>
-                <a:spcPct val="50000"/>
-              </a:spcBef>
-              <a:buFontTx/>
-              <a:buChar char="-"/>
-            </a:pPr>
-            <a:r>
-              <a:rPr lang="ko-KR" altLang="en-US" sz="1000" b="1" dirty="0" smtClean="0">
-                <a:latin typeface="돋움" panose="020B0600000101010101" pitchFamily="50" charset="-127"/>
-              </a:rPr>
-              <a:t> 기능 </a:t>
-            </a:r>
-            <a:r>
-              <a:rPr lang="ko-KR" altLang="en-US" sz="1000" b="1" dirty="0">
-                <a:latin typeface="돋움" panose="020B0600000101010101" pitchFamily="50" charset="-127"/>
-              </a:rPr>
-              <a:t>없음</a:t>
-            </a:r>
-            <a:r>
-              <a:rPr lang="en-US" altLang="ko-KR" sz="1000" b="1" dirty="0">
-                <a:latin typeface="돋움" panose="020B0600000101010101" pitchFamily="50" charset="-127"/>
-              </a:rPr>
-              <a:t>.</a:t>
-            </a:r>
           </a:p>
           <a:p>
             <a:pPr eaLnBrk="1" hangingPunct="1">
@@ -24017,8 +23942,8 @@
         </p:nvSpPr>
         <p:spPr bwMode="auto">
           <a:xfrm>
-            <a:off x="2964641" y="3073065"/>
-            <a:ext cx="1227600" cy="710067"/>
+            <a:off x="2964641" y="3303897"/>
+            <a:ext cx="1227600" cy="248402"/>
           </a:xfrm>
           <a:prstGeom prst="rect">
             <a:avLst/>
@@ -24183,57 +24108,6 @@
               <a:buFontTx/>
               <a:buChar char="-"/>
             </a:pPr>
-            <a:r>
-              <a:rPr lang="ko-KR" altLang="en-US" sz="1000" b="1" dirty="0">
-                <a:latin typeface="돋움" panose="020B0600000101010101" pitchFamily="50" charset="-127"/>
-              </a:rPr>
-              <a:t> 페이지로만</a:t>
-            </a:r>
-            <a:endParaRPr lang="en-US" altLang="ko-KR" sz="1000" b="1" dirty="0">
-              <a:latin typeface="돋움" panose="020B0600000101010101" pitchFamily="50" charset="-127"/>
-            </a:endParaRPr>
-          </a:p>
-          <a:p>
-            <a:pPr eaLnBrk="1" hangingPunct="1">
-              <a:spcBef>
-                <a:spcPct val="50000"/>
-              </a:spcBef>
-              <a:buFontTx/>
-              <a:buChar char="-"/>
-            </a:pPr>
-            <a:r>
-              <a:rPr lang="ko-KR" altLang="en-US" sz="1000" b="1" dirty="0" smtClean="0">
-                <a:latin typeface="돋움" panose="020B0600000101010101" pitchFamily="50" charset="-127"/>
-              </a:rPr>
-              <a:t> 기능 </a:t>
-            </a:r>
-            <a:r>
-              <a:rPr lang="ko-KR" altLang="en-US" sz="1000" b="1" dirty="0" smtClean="0">
-                <a:latin typeface="돋움" panose="020B0600000101010101" pitchFamily="50" charset="-127"/>
-              </a:rPr>
-              <a:t>없음</a:t>
-            </a:r>
-            <a:r>
-              <a:rPr lang="en-US" altLang="ko-KR" sz="1000" b="1" dirty="0" smtClean="0">
-                <a:latin typeface="돋움" panose="020B0600000101010101" pitchFamily="50" charset="-127"/>
-              </a:rPr>
-              <a:t>.</a:t>
-            </a:r>
-          </a:p>
-          <a:p>
-            <a:pPr eaLnBrk="1" hangingPunct="1">
-              <a:spcBef>
-                <a:spcPct val="50000"/>
-              </a:spcBef>
-              <a:buFontTx/>
-              <a:buChar char="-"/>
-            </a:pPr>
-            <a:r>
-              <a:rPr lang="ko-KR" altLang="en-US" sz="1000" b="1" dirty="0" smtClean="0">
-                <a:latin typeface="돋움" panose="020B0600000101010101" pitchFamily="50" charset="-127"/>
-              </a:rPr>
-              <a:t> </a:t>
-            </a:r>
             <a:r>
               <a:rPr lang="en-US" altLang="ko-KR" sz="1000" b="1" dirty="0" smtClean="0">
                 <a:latin typeface="돋움" panose="020B0600000101010101" pitchFamily="50" charset="-127"/>
@@ -24482,7 +24356,7 @@
         <p:spPr>
           <a:xfrm>
             <a:off x="3578441" y="2704771"/>
-            <a:ext cx="0" cy="368294"/>
+            <a:ext cx="0" cy="599126"/>
           </a:xfrm>
           <a:prstGeom prst="line">
             <a:avLst/>
@@ -24520,7 +24394,7 @@
         <p:spPr>
           <a:xfrm>
             <a:off x="5108576" y="2704771"/>
-            <a:ext cx="0" cy="252879"/>
+            <a:ext cx="0" cy="368295"/>
           </a:xfrm>
           <a:prstGeom prst="line">
             <a:avLst/>
@@ -24558,7 +24432,7 @@
         <p:spPr>
           <a:xfrm>
             <a:off x="6636970" y="2704771"/>
-            <a:ext cx="0" cy="252878"/>
+            <a:ext cx="0" cy="483710"/>
           </a:xfrm>
           <a:prstGeom prst="line">
             <a:avLst/>
